--- a/Prezentare Licenta.pptx
+++ b/Prezentare Licenta.pptx
@@ -28,8 +28,8 @@
     <p:sldId id="276" r:id="rId22"/>
     <p:sldId id="277" r:id="rId23"/>
     <p:sldId id="278" r:id="rId24"/>
-    <p:sldId id="280" r:id="rId25"/>
-    <p:sldId id="279" r:id="rId26"/>
+    <p:sldId id="279" r:id="rId25"/>
+    <p:sldId id="280" r:id="rId26"/>
   </p:sldIdLst>
   <p:sldSz cx="9144000" cy="6858000" type="screen4x3"/>
   <p:notesSz cx="6858000" cy="9144000"/>
@@ -3778,25 +3778,6 @@
           <a:chExt cx="0" cy="0"/>
         </a:xfrm>
       </p:grpSpPr>
-      <p:sp>
-        <p:nvSpPr>
-          <p:cNvPr id="2" name="Title 1"/>
-          <p:cNvSpPr>
-            <a:spLocks noGrp="1"/>
-          </p:cNvSpPr>
-          <p:nvPr>
-            <p:ph type="title"/>
-          </p:nvPr>
-        </p:nvSpPr>
-        <p:spPr/>
-        <p:txBody>
-          <a:bodyPr/>
-          <a:lstStyle/>
-          <a:p>
-            <a:endParaRPr lang="en-US"/>
-          </a:p>
-        </p:txBody>
-      </p:sp>
       <p:pic>
         <p:nvPicPr>
           <p:cNvPr id="4" name="Content Placeholder 3"/>
@@ -3859,25 +3840,6 @@
           <a:chExt cx="0" cy="0"/>
         </a:xfrm>
       </p:grpSpPr>
-      <p:sp>
-        <p:nvSpPr>
-          <p:cNvPr id="2" name="Title 1"/>
-          <p:cNvSpPr>
-            <a:spLocks noGrp="1"/>
-          </p:cNvSpPr>
-          <p:nvPr>
-            <p:ph type="title"/>
-          </p:nvPr>
-        </p:nvSpPr>
-        <p:spPr/>
-        <p:txBody>
-          <a:bodyPr/>
-          <a:lstStyle/>
-          <a:p>
-            <a:endParaRPr lang="en-US"/>
-          </a:p>
-        </p:txBody>
-      </p:sp>
       <p:pic>
         <p:nvPicPr>
           <p:cNvPr id="4" name="Content Placeholder 3"/>
@@ -3940,25 +3902,6 @@
           <a:chExt cx="0" cy="0"/>
         </a:xfrm>
       </p:grpSpPr>
-      <p:sp>
-        <p:nvSpPr>
-          <p:cNvPr id="2" name="Title 1"/>
-          <p:cNvSpPr>
-            <a:spLocks noGrp="1"/>
-          </p:cNvSpPr>
-          <p:nvPr>
-            <p:ph type="title"/>
-          </p:nvPr>
-        </p:nvSpPr>
-        <p:spPr/>
-        <p:txBody>
-          <a:bodyPr/>
-          <a:lstStyle/>
-          <a:p>
-            <a:endParaRPr lang="en-US"/>
-          </a:p>
-        </p:txBody>
-      </p:sp>
       <p:pic>
         <p:nvPicPr>
           <p:cNvPr id="4" name="Content Placeholder 3"/>
@@ -4277,25 +4220,6 @@
           <a:chExt cx="0" cy="0"/>
         </a:xfrm>
       </p:grpSpPr>
-      <p:sp>
-        <p:nvSpPr>
-          <p:cNvPr id="2" name="Title 1"/>
-          <p:cNvSpPr>
-            <a:spLocks noGrp="1"/>
-          </p:cNvSpPr>
-          <p:nvPr>
-            <p:ph type="title"/>
-          </p:nvPr>
-        </p:nvSpPr>
-        <p:spPr/>
-        <p:txBody>
-          <a:bodyPr/>
-          <a:lstStyle/>
-          <a:p>
-            <a:endParaRPr lang="en-US"/>
-          </a:p>
-        </p:txBody>
-      </p:sp>
       <p:pic>
         <p:nvPicPr>
           <p:cNvPr id="4" name="Content Placeholder 3"/>
@@ -4631,25 +4555,6 @@
           <a:chExt cx="0" cy="0"/>
         </a:xfrm>
       </p:grpSpPr>
-      <p:sp>
-        <p:nvSpPr>
-          <p:cNvPr id="2" name="Title 1"/>
-          <p:cNvSpPr>
-            <a:spLocks noGrp="1"/>
-          </p:cNvSpPr>
-          <p:nvPr>
-            <p:ph type="title"/>
-          </p:nvPr>
-        </p:nvSpPr>
-        <p:spPr/>
-        <p:txBody>
-          <a:bodyPr/>
-          <a:lstStyle/>
-          <a:p>
-            <a:endParaRPr lang="en-US"/>
-          </a:p>
-        </p:txBody>
-      </p:sp>
       <p:pic>
         <p:nvPicPr>
           <p:cNvPr id="4" name="Content Placeholder 3"/>
@@ -4712,25 +4617,6 @@
           <a:chExt cx="0" cy="0"/>
         </a:xfrm>
       </p:grpSpPr>
-      <p:sp>
-        <p:nvSpPr>
-          <p:cNvPr id="2" name="Title 1"/>
-          <p:cNvSpPr>
-            <a:spLocks noGrp="1"/>
-          </p:cNvSpPr>
-          <p:nvPr>
-            <p:ph type="title"/>
-          </p:nvPr>
-        </p:nvSpPr>
-        <p:spPr/>
-        <p:txBody>
-          <a:bodyPr/>
-          <a:lstStyle/>
-          <a:p>
-            <a:endParaRPr lang="en-US"/>
-          </a:p>
-        </p:txBody>
-      </p:sp>
       <p:pic>
         <p:nvPicPr>
           <p:cNvPr id="4" name="Content Placeholder 3"/>
@@ -5308,25 +5194,6 @@
           <a:chExt cx="0" cy="0"/>
         </a:xfrm>
       </p:grpSpPr>
-      <p:sp>
-        <p:nvSpPr>
-          <p:cNvPr id="2" name="Title 1"/>
-          <p:cNvSpPr>
-            <a:spLocks noGrp="1"/>
-          </p:cNvSpPr>
-          <p:nvPr>
-            <p:ph type="title"/>
-          </p:nvPr>
-        </p:nvSpPr>
-        <p:spPr/>
-        <p:txBody>
-          <a:bodyPr/>
-          <a:lstStyle/>
-          <a:p>
-            <a:endParaRPr lang="en-US"/>
-          </a:p>
-        </p:txBody>
-      </p:sp>
       <p:pic>
         <p:nvPicPr>
           <p:cNvPr id="4" name="Content Placeholder 3"/>
@@ -5534,25 +5401,6 @@
           <a:chExt cx="0" cy="0"/>
         </a:xfrm>
       </p:grpSpPr>
-      <p:sp>
-        <p:nvSpPr>
-          <p:cNvPr id="2" name="Title 1"/>
-          <p:cNvSpPr>
-            <a:spLocks noGrp="1"/>
-          </p:cNvSpPr>
-          <p:nvPr>
-            <p:ph type="title"/>
-          </p:nvPr>
-        </p:nvSpPr>
-        <p:spPr/>
-        <p:txBody>
-          <a:bodyPr/>
-          <a:lstStyle/>
-          <a:p>
-            <a:endParaRPr lang="en-US"/>
-          </a:p>
-        </p:txBody>
-      </p:sp>
       <p:pic>
         <p:nvPicPr>
           <p:cNvPr id="4" name="Content Placeholder 3"/>
@@ -5719,33 +5567,82 @@
           <a:bodyPr/>
           <a:lstStyle/>
           <a:p>
-            <a:endParaRPr lang="en-US"/>
-          </a:p>
-        </p:txBody>
-      </p:sp>
-      <p:sp>
-        <p:nvSpPr>
-          <p:cNvPr id="3" name="Content Placeholder 2"/>
-          <p:cNvSpPr>
-            <a:spLocks noGrp="1"/>
-          </p:cNvSpPr>
+            <a:r>
+              <a:rPr lang="en-US" dirty="0" smtClean="0"/>
+              <a:t>H</a:t>
+            </a:r>
+            <a:r>
+              <a:rPr lang="ro-RO" dirty="0" smtClean="0"/>
+              <a:t>ărțile jocului</a:t>
+            </a:r>
+            <a:endParaRPr lang="en-US" dirty="0"/>
+          </a:p>
+        </p:txBody>
+      </p:sp>
+      <p:pic>
+        <p:nvPicPr>
+          <p:cNvPr id="4" name="Content Placeholder 3"/>
+          <p:cNvPicPr>
+            <a:picLocks noGrp="1"/>
+          </p:cNvPicPr>
           <p:nvPr>
             <p:ph sz="quarter" idx="1"/>
           </p:nvPr>
-        </p:nvSpPr>
-        <p:spPr/>
-        <p:txBody>
-          <a:bodyPr/>
-          <a:lstStyle/>
-          <a:p>
-            <a:endParaRPr lang="en-US"/>
-          </a:p>
-        </p:txBody>
-      </p:sp>
+        </p:nvPicPr>
+        <p:blipFill>
+          <a:blip r:embed="rId2">
+            <a:extLst>
+              <a:ext uri="{28A0092B-C50C-407E-A947-70E740481C1C}">
+                <a14:useLocalDpi xmlns:a14="http://schemas.microsoft.com/office/drawing/2010/main" val="0"/>
+              </a:ext>
+            </a:extLst>
+          </a:blip>
+          <a:stretch>
+            <a:fillRect/>
+          </a:stretch>
+        </p:blipFill>
+        <p:spPr>
+          <a:xfrm>
+            <a:off x="1447800" y="1371600"/>
+            <a:ext cx="6454699" cy="2842506"/>
+          </a:xfrm>
+          <a:prstGeom prst="rect">
+            <a:avLst/>
+          </a:prstGeom>
+        </p:spPr>
+      </p:pic>
+      <p:pic>
+        <p:nvPicPr>
+          <p:cNvPr id="5" name="Picture 4"/>
+          <p:cNvPicPr/>
+          <p:nvPr/>
+        </p:nvPicPr>
+        <p:blipFill>
+          <a:blip r:embed="rId3">
+            <a:extLst>
+              <a:ext uri="{28A0092B-C50C-407E-A947-70E740481C1C}">
+                <a14:useLocalDpi xmlns:a14="http://schemas.microsoft.com/office/drawing/2010/main" val="0"/>
+              </a:ext>
+            </a:extLst>
+          </a:blip>
+          <a:stretch>
+            <a:fillRect/>
+          </a:stretch>
+        </p:blipFill>
+        <p:spPr>
+          <a:xfrm>
+            <a:off x="1447800" y="4419600"/>
+            <a:ext cx="6477000" cy="1993900"/>
+          </a:xfrm>
+          <a:prstGeom prst="rect">
+            <a:avLst/>
+          </a:prstGeom>
+        </p:spPr>
+      </p:pic>
     </p:spTree>
     <p:extLst>
       <p:ext uri="{BB962C8B-B14F-4D97-AF65-F5344CB8AC3E}">
-        <p14:creationId xmlns:p14="http://schemas.microsoft.com/office/powerpoint/2010/main" val="2389425346"/>
+        <p14:creationId xmlns:p14="http://schemas.microsoft.com/office/powerpoint/2010/main" val="3278200600"/>
       </p:ext>
     </p:extLst>
   </p:cSld>
@@ -5772,56 +5669,98 @@
           <a:chExt cx="0" cy="0"/>
         </a:xfrm>
       </p:grpSpPr>
-      <p:sp>
-        <p:nvSpPr>
-          <p:cNvPr id="2" name="Title 1"/>
-          <p:cNvSpPr>
-            <a:spLocks noGrp="1"/>
-          </p:cNvSpPr>
-          <p:nvPr>
-            <p:ph type="title"/>
-          </p:nvPr>
-        </p:nvSpPr>
-        <p:spPr/>
-        <p:txBody>
-          <a:bodyPr/>
-          <a:lstStyle/>
-          <a:p>
-            <a:r>
-              <a:rPr lang="en-US" dirty="0" smtClean="0"/>
-              <a:t>H</a:t>
-            </a:r>
-            <a:r>
-              <a:rPr lang="ro-RO" dirty="0" smtClean="0"/>
-              <a:t>ărțile jocului</a:t>
-            </a:r>
-            <a:endParaRPr lang="en-US" dirty="0"/>
-          </a:p>
-        </p:txBody>
-      </p:sp>
-      <p:sp>
-        <p:nvSpPr>
-          <p:cNvPr id="3" name="Content Placeholder 2"/>
-          <p:cNvSpPr>
-            <a:spLocks noGrp="1"/>
-          </p:cNvSpPr>
+      <p:pic>
+        <p:nvPicPr>
+          <p:cNvPr id="4" name="Content Placeholder 3"/>
+          <p:cNvPicPr>
+            <a:picLocks noGrp="1"/>
+          </p:cNvPicPr>
           <p:nvPr>
             <p:ph sz="quarter" idx="1"/>
           </p:nvPr>
-        </p:nvSpPr>
-        <p:spPr/>
-        <p:txBody>
-          <a:bodyPr/>
-          <a:lstStyle/>
-          <a:p>
-            <a:endParaRPr lang="en-US"/>
-          </a:p>
-        </p:txBody>
-      </p:sp>
+        </p:nvPicPr>
+        <p:blipFill>
+          <a:blip r:embed="rId2">
+            <a:extLst>
+              <a:ext uri="{28A0092B-C50C-407E-A947-70E740481C1C}">
+                <a14:useLocalDpi xmlns:a14="http://schemas.microsoft.com/office/drawing/2010/main" val="0"/>
+              </a:ext>
+            </a:extLst>
+          </a:blip>
+          <a:stretch>
+            <a:fillRect/>
+          </a:stretch>
+        </p:blipFill>
+        <p:spPr>
+          <a:xfrm>
+            <a:off x="838200" y="685800"/>
+            <a:ext cx="7772400" cy="1560481"/>
+          </a:xfrm>
+          <a:prstGeom prst="rect">
+            <a:avLst/>
+          </a:prstGeom>
+        </p:spPr>
+      </p:pic>
+      <p:pic>
+        <p:nvPicPr>
+          <p:cNvPr id="5" name="Picture 4"/>
+          <p:cNvPicPr/>
+          <p:nvPr/>
+        </p:nvPicPr>
+        <p:blipFill>
+          <a:blip r:embed="rId3">
+            <a:extLst>
+              <a:ext uri="{28A0092B-C50C-407E-A947-70E740481C1C}">
+                <a14:useLocalDpi xmlns:a14="http://schemas.microsoft.com/office/drawing/2010/main" val="0"/>
+              </a:ext>
+            </a:extLst>
+          </a:blip>
+          <a:stretch>
+            <a:fillRect/>
+          </a:stretch>
+        </p:blipFill>
+        <p:spPr>
+          <a:xfrm>
+            <a:off x="838200" y="2514600"/>
+            <a:ext cx="7696200" cy="2030095"/>
+          </a:xfrm>
+          <a:prstGeom prst="rect">
+            <a:avLst/>
+          </a:prstGeom>
+        </p:spPr>
+      </p:pic>
+      <p:pic>
+        <p:nvPicPr>
+          <p:cNvPr id="6" name="Picture 5"/>
+          <p:cNvPicPr/>
+          <p:nvPr/>
+        </p:nvPicPr>
+        <p:blipFill>
+          <a:blip r:embed="rId4">
+            <a:extLst>
+              <a:ext uri="{28A0092B-C50C-407E-A947-70E740481C1C}">
+                <a14:useLocalDpi xmlns:a14="http://schemas.microsoft.com/office/drawing/2010/main" val="0"/>
+              </a:ext>
+            </a:extLst>
+          </a:blip>
+          <a:stretch>
+            <a:fillRect/>
+          </a:stretch>
+        </p:blipFill>
+        <p:spPr>
+          <a:xfrm>
+            <a:off x="838200" y="4724400"/>
+            <a:ext cx="7696200" cy="1979295"/>
+          </a:xfrm>
+          <a:prstGeom prst="rect">
+            <a:avLst/>
+          </a:prstGeom>
+        </p:spPr>
+      </p:pic>
     </p:spTree>
     <p:extLst>
       <p:ext uri="{BB962C8B-B14F-4D97-AF65-F5344CB8AC3E}">
-        <p14:creationId xmlns:p14="http://schemas.microsoft.com/office/powerpoint/2010/main" val="3278200600"/>
+        <p14:creationId xmlns:p14="http://schemas.microsoft.com/office/powerpoint/2010/main" val="1490938519"/>
       </p:ext>
     </p:extLst>
   </p:cSld>
@@ -5848,25 +5787,6 @@
           <a:chExt cx="0" cy="0"/>
         </a:xfrm>
       </p:grpSpPr>
-      <p:sp>
-        <p:nvSpPr>
-          <p:cNvPr id="2" name="Title 1"/>
-          <p:cNvSpPr>
-            <a:spLocks noGrp="1"/>
-          </p:cNvSpPr>
-          <p:nvPr>
-            <p:ph type="title"/>
-          </p:nvPr>
-        </p:nvSpPr>
-        <p:spPr/>
-        <p:txBody>
-          <a:bodyPr/>
-          <a:lstStyle/>
-          <a:p>
-            <a:endParaRPr lang="en-US"/>
-          </a:p>
-        </p:txBody>
-      </p:sp>
       <p:sp>
         <p:nvSpPr>
           <p:cNvPr id="3" name="Content Placeholder 2"/>
@@ -6372,25 +6292,6 @@
           <a:chExt cx="0" cy="0"/>
         </a:xfrm>
       </p:grpSpPr>
-      <p:sp>
-        <p:nvSpPr>
-          <p:cNvPr id="2" name="Title 1"/>
-          <p:cNvSpPr>
-            <a:spLocks noGrp="1"/>
-          </p:cNvSpPr>
-          <p:nvPr>
-            <p:ph type="title"/>
-          </p:nvPr>
-        </p:nvSpPr>
-        <p:spPr/>
-        <p:txBody>
-          <a:bodyPr/>
-          <a:lstStyle/>
-          <a:p>
-            <a:endParaRPr lang="en-US" dirty="0"/>
-          </a:p>
-        </p:txBody>
-      </p:sp>
       <p:pic>
         <p:nvPicPr>
           <p:cNvPr id="4" name="Content Placeholder 3"/>
@@ -6453,25 +6354,6 @@
           <a:chExt cx="0" cy="0"/>
         </a:xfrm>
       </p:grpSpPr>
-      <p:sp>
-        <p:nvSpPr>
-          <p:cNvPr id="2" name="Title 1"/>
-          <p:cNvSpPr>
-            <a:spLocks noGrp="1"/>
-          </p:cNvSpPr>
-          <p:nvPr>
-            <p:ph type="title"/>
-          </p:nvPr>
-        </p:nvSpPr>
-        <p:spPr/>
-        <p:txBody>
-          <a:bodyPr/>
-          <a:lstStyle/>
-          <a:p>
-            <a:endParaRPr lang="en-US"/>
-          </a:p>
-        </p:txBody>
-      </p:sp>
       <p:pic>
         <p:nvPicPr>
           <p:cNvPr id="4" name="Picture 2"/>
@@ -6568,25 +6450,6 @@
           <a:chExt cx="0" cy="0"/>
         </a:xfrm>
       </p:grpSpPr>
-      <p:sp>
-        <p:nvSpPr>
-          <p:cNvPr id="2" name="Title 1"/>
-          <p:cNvSpPr>
-            <a:spLocks noGrp="1"/>
-          </p:cNvSpPr>
-          <p:nvPr>
-            <p:ph type="title"/>
-          </p:nvPr>
-        </p:nvSpPr>
-        <p:spPr/>
-        <p:txBody>
-          <a:bodyPr/>
-          <a:lstStyle/>
-          <a:p>
-            <a:endParaRPr lang="en-US"/>
-          </a:p>
-        </p:txBody>
-      </p:sp>
       <p:pic>
         <p:nvPicPr>
           <p:cNvPr id="4" name="Content Placeholder 3"/>
@@ -6756,28 +6619,7 @@
                 <a:latin typeface="Times New Roman" pitchFamily="18" charset="0"/>
                 <a:cs typeface="Times New Roman" pitchFamily="18" charset="0"/>
               </a:rPr>
-              <a:t> patrulare și urmărire. La detectarea jucătorului inamicul trece din straea de patrulare în starea de urmărire și invers atunci când inamicul </a:t>
-            </a:r>
-            <a:r>
-              <a:rPr lang="ro-RO" dirty="0" smtClean="0">
-                <a:latin typeface="Times New Roman" pitchFamily="18" charset="0"/>
-                <a:cs typeface="Times New Roman" pitchFamily="18" charset="0"/>
-              </a:rPr>
-              <a:t>nu </a:t>
-            </a:r>
-            <a:r>
-              <a:rPr lang="ro-RO" dirty="0" smtClean="0">
-                <a:latin typeface="Times New Roman" pitchFamily="18" charset="0"/>
-                <a:cs typeface="Times New Roman" pitchFamily="18" charset="0"/>
-              </a:rPr>
-              <a:t>detectează jucătorul</a:t>
-            </a:r>
-            <a:r>
-              <a:rPr lang="ro-RO" dirty="0" smtClean="0">
-                <a:latin typeface="Times New Roman" pitchFamily="18" charset="0"/>
-                <a:cs typeface="Times New Roman" pitchFamily="18" charset="0"/>
-              </a:rPr>
-              <a:t>.</a:t>
+              <a:t> patrulare și urmărire. La detectarea jucătorului inamicul trece din straea de patrulare în starea de urmărire și invers atunci când inamicul nu detectează jucătorul.</a:t>
             </a:r>
           </a:p>
           <a:p>

--- a/Prezentare Licenta.pptx
+++ b/Prezentare Licenta.pptx
@@ -6,30 +6,33 @@
   </p:sldMasterIdLst>
   <p:sldIdLst>
     <p:sldId id="256" r:id="rId2"/>
-    <p:sldId id="257" r:id="rId3"/>
-    <p:sldId id="258" r:id="rId4"/>
-    <p:sldId id="259" r:id="rId5"/>
-    <p:sldId id="260" r:id="rId6"/>
-    <p:sldId id="261" r:id="rId7"/>
-    <p:sldId id="263" r:id="rId8"/>
-    <p:sldId id="268" r:id="rId9"/>
-    <p:sldId id="262" r:id="rId10"/>
-    <p:sldId id="264" r:id="rId11"/>
-    <p:sldId id="265" r:id="rId12"/>
-    <p:sldId id="269" r:id="rId13"/>
-    <p:sldId id="266" r:id="rId14"/>
-    <p:sldId id="267" r:id="rId15"/>
-    <p:sldId id="270" r:id="rId16"/>
-    <p:sldId id="271" r:id="rId17"/>
-    <p:sldId id="272" r:id="rId18"/>
-    <p:sldId id="273" r:id="rId19"/>
-    <p:sldId id="274" r:id="rId20"/>
-    <p:sldId id="275" r:id="rId21"/>
-    <p:sldId id="276" r:id="rId22"/>
-    <p:sldId id="277" r:id="rId23"/>
-    <p:sldId id="278" r:id="rId24"/>
-    <p:sldId id="279" r:id="rId25"/>
-    <p:sldId id="280" r:id="rId26"/>
+    <p:sldId id="282" r:id="rId3"/>
+    <p:sldId id="283" r:id="rId4"/>
+    <p:sldId id="257" r:id="rId5"/>
+    <p:sldId id="258" r:id="rId6"/>
+    <p:sldId id="259" r:id="rId7"/>
+    <p:sldId id="260" r:id="rId8"/>
+    <p:sldId id="261" r:id="rId9"/>
+    <p:sldId id="263" r:id="rId10"/>
+    <p:sldId id="268" r:id="rId11"/>
+    <p:sldId id="262" r:id="rId12"/>
+    <p:sldId id="264" r:id="rId13"/>
+    <p:sldId id="265" r:id="rId14"/>
+    <p:sldId id="269" r:id="rId15"/>
+    <p:sldId id="266" r:id="rId16"/>
+    <p:sldId id="267" r:id="rId17"/>
+    <p:sldId id="270" r:id="rId18"/>
+    <p:sldId id="271" r:id="rId19"/>
+    <p:sldId id="272" r:id="rId20"/>
+    <p:sldId id="273" r:id="rId21"/>
+    <p:sldId id="274" r:id="rId22"/>
+    <p:sldId id="275" r:id="rId23"/>
+    <p:sldId id="276" r:id="rId24"/>
+    <p:sldId id="277" r:id="rId25"/>
+    <p:sldId id="278" r:id="rId26"/>
+    <p:sldId id="279" r:id="rId27"/>
+    <p:sldId id="280" r:id="rId28"/>
+    <p:sldId id="281" r:id="rId29"/>
   </p:sldIdLst>
   <p:sldSz cx="9144000" cy="6858000" type="screen4x3"/>
   <p:notesSz cx="6858000" cy="9144000"/>
@@ -326,7 +329,7 @@
             <a:fld id="{1D8BD707-D9CF-40AE-B4C6-C98DA3205C09}" type="datetimeFigureOut">
               <a:rPr lang="en-US" smtClean="0"/>
               <a:pPr/>
-              <a:t>6/29/2023</a:t>
+              <a:t>6/30/2023</a:t>
             </a:fld>
             <a:endParaRPr lang="en-US"/>
           </a:p>
@@ -681,7 +684,7 @@
             <a:fld id="{1D8BD707-D9CF-40AE-B4C6-C98DA3205C09}" type="datetimeFigureOut">
               <a:rPr lang="en-US" smtClean="0"/>
               <a:pPr/>
-              <a:t>6/29/2023</a:t>
+              <a:t>6/30/2023</a:t>
             </a:fld>
             <a:endParaRPr lang="en-US"/>
           </a:p>
@@ -858,7 +861,7 @@
             <a:fld id="{1D8BD707-D9CF-40AE-B4C6-C98DA3205C09}" type="datetimeFigureOut">
               <a:rPr lang="en-US" smtClean="0"/>
               <a:pPr/>
-              <a:t>6/29/2023</a:t>
+              <a:t>6/30/2023</a:t>
             </a:fld>
             <a:endParaRPr lang="en-US"/>
           </a:p>
@@ -973,7 +976,7 @@
             <a:fld id="{1D8BD707-D9CF-40AE-B4C6-C98DA3205C09}" type="datetimeFigureOut">
               <a:rPr lang="en-US" smtClean="0"/>
               <a:pPr/>
-              <a:t>6/29/2023</a:t>
+              <a:t>6/30/2023</a:t>
             </a:fld>
             <a:endParaRPr lang="en-US"/>
           </a:p>
@@ -1333,7 +1336,7 @@
             <a:fld id="{1D8BD707-D9CF-40AE-B4C6-C98DA3205C09}" type="datetimeFigureOut">
               <a:rPr lang="en-US" smtClean="0"/>
               <a:pPr/>
-              <a:t>6/29/2023</a:t>
+              <a:t>6/30/2023</a:t>
             </a:fld>
             <a:endParaRPr lang="en-US"/>
           </a:p>
@@ -1600,7 +1603,7 @@
             <a:fld id="{1D8BD707-D9CF-40AE-B4C6-C98DA3205C09}" type="datetimeFigureOut">
               <a:rPr lang="en-US" smtClean="0"/>
               <a:pPr/>
-              <a:t>6/29/2023</a:t>
+              <a:t>6/30/2023</a:t>
             </a:fld>
             <a:endParaRPr lang="en-US"/>
           </a:p>
@@ -1964,7 +1967,7 @@
             <a:fld id="{1D8BD707-D9CF-40AE-B4C6-C98DA3205C09}" type="datetimeFigureOut">
               <a:rPr lang="en-US" smtClean="0"/>
               <a:pPr/>
-              <a:t>6/29/2023</a:t>
+              <a:t>6/30/2023</a:t>
             </a:fld>
             <a:endParaRPr lang="en-US"/>
           </a:p>
@@ -2193,7 +2196,7 @@
             <a:fld id="{1D8BD707-D9CF-40AE-B4C6-C98DA3205C09}" type="datetimeFigureOut">
               <a:rPr lang="en-US" smtClean="0"/>
               <a:pPr/>
-              <a:t>6/29/2023</a:t>
+              <a:t>6/30/2023</a:t>
             </a:fld>
             <a:endParaRPr lang="en-US"/>
           </a:p>
@@ -2285,7 +2288,7 @@
             <a:fld id="{1D8BD707-D9CF-40AE-B4C6-C98DA3205C09}" type="datetimeFigureOut">
               <a:rPr lang="en-US" smtClean="0"/>
               <a:pPr/>
-              <a:t>6/29/2023</a:t>
+              <a:t>6/30/2023</a:t>
             </a:fld>
             <a:endParaRPr lang="en-US"/>
           </a:p>
@@ -2554,7 +2557,7 @@
             <a:fld id="{1D8BD707-D9CF-40AE-B4C6-C98DA3205C09}" type="datetimeFigureOut">
               <a:rPr lang="en-US" smtClean="0"/>
               <a:pPr/>
-              <a:t>6/29/2023</a:t>
+              <a:t>6/30/2023</a:t>
             </a:fld>
             <a:endParaRPr lang="en-US"/>
           </a:p>
@@ -2784,7 +2787,7 @@
             <a:fld id="{1D8BD707-D9CF-40AE-B4C6-C98DA3205C09}" type="datetimeFigureOut">
               <a:rPr lang="en-US" smtClean="0"/>
               <a:pPr/>
-              <a:t>6/29/2023</a:t>
+              <a:t>6/30/2023</a:t>
             </a:fld>
             <a:endParaRPr lang="en-US"/>
           </a:p>
@@ -3285,7 +3288,7 @@
             <a:fld id="{1D8BD707-D9CF-40AE-B4C6-C98DA3205C09}" type="datetimeFigureOut">
               <a:rPr lang="en-US" smtClean="0"/>
               <a:pPr/>
-              <a:t>6/29/2023</a:t>
+              <a:t>6/30/2023</a:t>
             </a:fld>
             <a:endParaRPr lang="en-US"/>
           </a:p>
@@ -3789,6 +3792,252 @@
           </p:nvPr>
         </p:nvPicPr>
         <p:blipFill>
+          <a:blip r:embed="rId2" cstate="print">
+            <a:extLst>
+              <a:ext uri="{28A0092B-C50C-407E-A947-70E740481C1C}">
+                <a14:useLocalDpi xmlns:a14="http://schemas.microsoft.com/office/drawing/2010/main" val="0"/>
+              </a:ext>
+            </a:extLst>
+          </a:blip>
+          <a:stretch>
+            <a:fillRect/>
+          </a:stretch>
+        </p:blipFill>
+        <p:spPr>
+          <a:xfrm>
+            <a:off x="533400" y="1447800"/>
+            <a:ext cx="8228306" cy="3847453"/>
+          </a:xfrm>
+          <a:prstGeom prst="rect">
+            <a:avLst/>
+          </a:prstGeom>
+        </p:spPr>
+      </p:pic>
+    </p:spTree>
+    <p:extLst>
+      <p:ext uri="{BB962C8B-B14F-4D97-AF65-F5344CB8AC3E}">
+        <p14:creationId xmlns:p14="http://schemas.microsoft.com/office/powerpoint/2010/main" val="1150793466"/>
+      </p:ext>
+    </p:extLst>
+  </p:cSld>
+  <p:clrMapOvr>
+    <a:masterClrMapping/>
+  </p:clrMapOvr>
+</p:sld>
+</file>
+
+<file path=ppt/slides/slide11.xml><?xml version="1.0" encoding="utf-8"?>
+<p:sld xmlns:a="http://schemas.openxmlformats.org/drawingml/2006/main" xmlns:r="http://schemas.openxmlformats.org/officeDocument/2006/relationships" xmlns:p="http://schemas.openxmlformats.org/presentationml/2006/main">
+  <p:cSld>
+    <p:spTree>
+      <p:nvGrpSpPr>
+        <p:cNvPr id="1" name=""/>
+        <p:cNvGrpSpPr/>
+        <p:nvPr/>
+      </p:nvGrpSpPr>
+      <p:grpSpPr>
+        <a:xfrm>
+          <a:off x="0" y="0"/>
+          <a:ext cx="0" cy="0"/>
+          <a:chOff x="0" y="0"/>
+          <a:chExt cx="0" cy="0"/>
+        </a:xfrm>
+      </p:grpSpPr>
+      <p:sp>
+        <p:nvSpPr>
+          <p:cNvPr id="2" name="Title 1"/>
+          <p:cNvSpPr>
+            <a:spLocks noGrp="1"/>
+          </p:cNvSpPr>
+          <p:nvPr>
+            <p:ph type="title"/>
+          </p:nvPr>
+        </p:nvSpPr>
+        <p:spPr/>
+        <p:txBody>
+          <a:bodyPr/>
+          <a:lstStyle/>
+          <a:p>
+            <a:r>
+              <a:rPr lang="en-US" dirty="0" err="1" smtClean="0"/>
+              <a:t>Inamici</a:t>
+            </a:r>
+            <a:r>
+              <a:rPr lang="en-US" dirty="0" smtClean="0"/>
+              <a:t> melee</a:t>
+            </a:r>
+            <a:endParaRPr lang="en-US" dirty="0"/>
+          </a:p>
+        </p:txBody>
+      </p:sp>
+      <p:sp>
+        <p:nvSpPr>
+          <p:cNvPr id="3" name="Content Placeholder 2"/>
+          <p:cNvSpPr>
+            <a:spLocks noGrp="1"/>
+          </p:cNvSpPr>
+          <p:nvPr>
+            <p:ph sz="quarter" idx="1"/>
+          </p:nvPr>
+        </p:nvSpPr>
+        <p:spPr/>
+        <p:txBody>
+          <a:bodyPr>
+            <a:normAutofit fontScale="70000" lnSpcReduction="20000"/>
+          </a:bodyPr>
+          <a:lstStyle/>
+          <a:p>
+            <a:r>
+              <a:rPr lang="en-US" dirty="0" smtClean="0">
+                <a:latin typeface="Times New Roman" pitchFamily="18" charset="0"/>
+                <a:cs typeface="Times New Roman" pitchFamily="18" charset="0"/>
+              </a:rPr>
+              <a:t>La </a:t>
+            </a:r>
+            <a:r>
+              <a:rPr lang="en-US" dirty="0" err="1" smtClean="0">
+                <a:latin typeface="Times New Roman" pitchFamily="18" charset="0"/>
+                <a:cs typeface="Times New Roman" pitchFamily="18" charset="0"/>
+              </a:rPr>
+              <a:t>fel</a:t>
+            </a:r>
+            <a:r>
+              <a:rPr lang="en-US" dirty="0" smtClean="0">
+                <a:latin typeface="Times New Roman" pitchFamily="18" charset="0"/>
+                <a:cs typeface="Times New Roman" pitchFamily="18" charset="0"/>
+              </a:rPr>
+              <a:t> </a:t>
+            </a:r>
+            <a:r>
+              <a:rPr lang="en-US" dirty="0" err="1" smtClean="0">
+                <a:latin typeface="Times New Roman" pitchFamily="18" charset="0"/>
+                <a:cs typeface="Times New Roman" pitchFamily="18" charset="0"/>
+              </a:rPr>
+              <a:t>ca</a:t>
+            </a:r>
+            <a:r>
+              <a:rPr lang="en-US" dirty="0" smtClean="0">
+                <a:latin typeface="Times New Roman" pitchFamily="18" charset="0"/>
+                <a:cs typeface="Times New Roman" pitchFamily="18" charset="0"/>
+              </a:rPr>
+              <a:t> </a:t>
+            </a:r>
+            <a:r>
+              <a:rPr lang="ro-RO" dirty="0" smtClean="0">
+                <a:latin typeface="Times New Roman" pitchFamily="18" charset="0"/>
+                <a:cs typeface="Times New Roman" pitchFamily="18" charset="0"/>
+              </a:rPr>
+              <a:t>și player, a fost adăugat o componentă Animator cu diferite stări, parametri și triggeri.</a:t>
+            </a:r>
+          </a:p>
+          <a:p>
+            <a:r>
+              <a:rPr lang="ro-RO" dirty="0" smtClean="0">
+                <a:latin typeface="Times New Roman" pitchFamily="18" charset="0"/>
+                <a:cs typeface="Times New Roman" pitchFamily="18" charset="0"/>
+              </a:rPr>
+              <a:t>Inamicul se poate afla în două stări</a:t>
+            </a:r>
+            <a:r>
+              <a:rPr lang="en-US" dirty="0" smtClean="0">
+                <a:latin typeface="Times New Roman" pitchFamily="18" charset="0"/>
+                <a:cs typeface="Times New Roman" pitchFamily="18" charset="0"/>
+              </a:rPr>
+              <a:t>:</a:t>
+            </a:r>
+            <a:r>
+              <a:rPr lang="ro-RO" dirty="0" smtClean="0">
+                <a:latin typeface="Times New Roman" pitchFamily="18" charset="0"/>
+                <a:cs typeface="Times New Roman" pitchFamily="18" charset="0"/>
+              </a:rPr>
+              <a:t> patrulare și urmărire. La detectarea jucătorului inamicul trece din straea de patrulare în starea de urmărire și invers atunci când inamicul nu detectează jucătorul.</a:t>
+            </a:r>
+          </a:p>
+          <a:p>
+            <a:r>
+              <a:rPr lang="vi-VN" dirty="0">
+                <a:latin typeface="Times New Roman" pitchFamily="18" charset="0"/>
+                <a:cs typeface="Times New Roman" pitchFamily="18" charset="0"/>
+              </a:rPr>
+              <a:t>Pe lângă comportamentul de patrulare, inamicul verifică prin intermediul unui BoxCast filtrat pe layer-ul jucătorului dacă acesta se află în aria sa vizuală. Odată detectat jucătorul, inamicul părăsește comportamentul de patrulare și intră în comportamentul de urmărire. După ce jucătorul părăsește raza vizuală a inamicului, acesta îl va urmări pentru câteva secunde înainte de a se întoarce la comportamentul de patrulare.</a:t>
+            </a:r>
+          </a:p>
+          <a:p>
+            <a:r>
+              <a:rPr lang="vi-VN" dirty="0">
+                <a:latin typeface="Times New Roman" pitchFamily="18" charset="0"/>
+                <a:cs typeface="Times New Roman" pitchFamily="18" charset="0"/>
+              </a:rPr>
+              <a:t>Pentru a evita detectarea jucătorului prin pereți, se realizează un RayCast în direcția jucătorului pentru a verifica dacă există pereți între inamic și jucător. În timp ce inamicul urmărește jucătorul, se folosește un CircleCast pentru a verifica dacă acesta se află în raza de atac. Dacă jucătorul este detectat în această rază, inamicul inițiază animația de atac și încearcă să rănească jucătorul</a:t>
+            </a:r>
+            <a:r>
+              <a:rPr lang="vi-VN" dirty="0" smtClean="0">
+                <a:latin typeface="Times New Roman" pitchFamily="18" charset="0"/>
+                <a:cs typeface="Times New Roman" pitchFamily="18" charset="0"/>
+              </a:rPr>
+              <a:t>.</a:t>
+            </a:r>
+            <a:endParaRPr lang="ro-RO" dirty="0" smtClean="0">
+              <a:latin typeface="Times New Roman" pitchFamily="18" charset="0"/>
+              <a:cs typeface="Times New Roman" pitchFamily="18" charset="0"/>
+            </a:endParaRPr>
+          </a:p>
+          <a:p>
+            <a:r>
+              <a:rPr lang="ro-RO" dirty="0" smtClean="0">
+                <a:latin typeface="Times New Roman" pitchFamily="18" charset="0"/>
+                <a:cs typeface="Times New Roman" pitchFamily="18" charset="0"/>
+              </a:rPr>
+              <a:t>Inamicul foloseste un circle cast pentru detectarea pamantului în fața lui în scopul de a verifica dacă acesta poate avansa.</a:t>
+            </a:r>
+            <a:endParaRPr lang="vi-VN" dirty="0">
+              <a:latin typeface="Times New Roman" pitchFamily="18" charset="0"/>
+              <a:cs typeface="Times New Roman" pitchFamily="18" charset="0"/>
+            </a:endParaRPr>
+          </a:p>
+        </p:txBody>
+      </p:sp>
+    </p:spTree>
+    <p:extLst>
+      <p:ext uri="{BB962C8B-B14F-4D97-AF65-F5344CB8AC3E}">
+        <p14:creationId xmlns:p14="http://schemas.microsoft.com/office/powerpoint/2010/main" val="3004101315"/>
+      </p:ext>
+    </p:extLst>
+  </p:cSld>
+  <p:clrMapOvr>
+    <a:masterClrMapping/>
+  </p:clrMapOvr>
+</p:sld>
+</file>
+
+<file path=ppt/slides/slide12.xml><?xml version="1.0" encoding="utf-8"?>
+<p:sld xmlns:a="http://schemas.openxmlformats.org/drawingml/2006/main" xmlns:r="http://schemas.openxmlformats.org/officeDocument/2006/relationships" xmlns:p="http://schemas.openxmlformats.org/presentationml/2006/main">
+  <p:cSld>
+    <p:spTree>
+      <p:nvGrpSpPr>
+        <p:cNvPr id="1" name=""/>
+        <p:cNvGrpSpPr/>
+        <p:nvPr/>
+      </p:nvGrpSpPr>
+      <p:grpSpPr>
+        <a:xfrm>
+          <a:off x="0" y="0"/>
+          <a:ext cx="0" cy="0"/>
+          <a:chOff x="0" y="0"/>
+          <a:chExt cx="0" cy="0"/>
+        </a:xfrm>
+      </p:grpSpPr>
+      <p:pic>
+        <p:nvPicPr>
+          <p:cNvPr id="4" name="Content Placeholder 3"/>
+          <p:cNvPicPr>
+            <a:picLocks noGrp="1"/>
+          </p:cNvPicPr>
+          <p:nvPr>
+            <p:ph sz="quarter" idx="1"/>
+          </p:nvPr>
+        </p:nvPicPr>
+        <p:blipFill>
           <a:blip r:embed="rId2">
             <a:extLst>
               <a:ext uri="{28A0092B-C50C-407E-A947-70E740481C1C}">
@@ -3823,7 +4072,7 @@
 </p:sld>
 </file>
 
-<file path=ppt/slides/slide11.xml><?xml version="1.0" encoding="utf-8"?>
+<file path=ppt/slides/slide13.xml><?xml version="1.0" encoding="utf-8"?>
 <p:sld xmlns:a="http://schemas.openxmlformats.org/drawingml/2006/main" xmlns:r="http://schemas.openxmlformats.org/officeDocument/2006/relationships" xmlns:p="http://schemas.openxmlformats.org/presentationml/2006/main">
   <p:cSld>
     <p:spTree>
@@ -3885,7 +4134,7 @@
 </p:sld>
 </file>
 
-<file path=ppt/slides/slide12.xml><?xml version="1.0" encoding="utf-8"?>
+<file path=ppt/slides/slide14.xml><?xml version="1.0" encoding="utf-8"?>
 <p:sld xmlns:a="http://schemas.openxmlformats.org/drawingml/2006/main" xmlns:r="http://schemas.openxmlformats.org/officeDocument/2006/relationships" xmlns:p="http://schemas.openxmlformats.org/presentationml/2006/main">
   <p:cSld>
     <p:spTree>
@@ -3947,7 +4196,7 @@
 </p:sld>
 </file>
 
-<file path=ppt/slides/slide13.xml><?xml version="1.0" encoding="utf-8"?>
+<file path=ppt/slides/slide15.xml><?xml version="1.0" encoding="utf-8"?>
 <p:sld xmlns:a="http://schemas.openxmlformats.org/drawingml/2006/main" xmlns:r="http://schemas.openxmlformats.org/officeDocument/2006/relationships" xmlns:p="http://schemas.openxmlformats.org/presentationml/2006/main">
   <p:cSld>
     <p:spTree>
@@ -4203,7 +4452,7 @@
 </p:sld>
 </file>
 
-<file path=ppt/slides/slide14.xml><?xml version="1.0" encoding="utf-8"?>
+<file path=ppt/slides/slide16.xml><?xml version="1.0" encoding="utf-8"?>
 <p:sld xmlns:a="http://schemas.openxmlformats.org/drawingml/2006/main" xmlns:r="http://schemas.openxmlformats.org/officeDocument/2006/relationships" xmlns:p="http://schemas.openxmlformats.org/presentationml/2006/main">
   <p:cSld>
     <p:spTree>
@@ -4265,7 +4514,7 @@
 </p:sld>
 </file>
 
-<file path=ppt/slides/slide15.xml><?xml version="1.0" encoding="utf-8"?>
+<file path=ppt/slides/slide17.xml><?xml version="1.0" encoding="utf-8"?>
 <p:sld xmlns:a="http://schemas.openxmlformats.org/drawingml/2006/main" xmlns:r="http://schemas.openxmlformats.org/officeDocument/2006/relationships" xmlns:p="http://schemas.openxmlformats.org/presentationml/2006/main">
   <p:cSld>
     <p:spTree>
@@ -4346,7 +4595,7 @@
 </p:sld>
 </file>
 
-<file path=ppt/slides/slide16.xml><?xml version="1.0" encoding="utf-8"?>
+<file path=ppt/slides/slide18.xml><?xml version="1.0" encoding="utf-8"?>
 <p:sld xmlns:a="http://schemas.openxmlformats.org/drawingml/2006/main" xmlns:r="http://schemas.openxmlformats.org/officeDocument/2006/relationships" xmlns:p="http://schemas.openxmlformats.org/presentationml/2006/main">
   <p:cSld>
     <p:spTree>
@@ -4538,7 +4787,7 @@
 </p:sld>
 </file>
 
-<file path=ppt/slides/slide17.xml><?xml version="1.0" encoding="utf-8"?>
+<file path=ppt/slides/slide19.xml><?xml version="1.0" encoding="utf-8"?>
 <p:sld xmlns:a="http://schemas.openxmlformats.org/drawingml/2006/main" xmlns:r="http://schemas.openxmlformats.org/officeDocument/2006/relationships" xmlns:p="http://schemas.openxmlformats.org/presentationml/2006/main">
   <p:cSld>
     <p:spTree>
@@ -4600,7 +4849,148 @@
 </p:sld>
 </file>
 
-<file path=ppt/slides/slide18.xml><?xml version="1.0" encoding="utf-8"?>
+<file path=ppt/slides/slide2.xml><?xml version="1.0" encoding="utf-8"?>
+<p:sld xmlns:a="http://schemas.openxmlformats.org/drawingml/2006/main" xmlns:r="http://schemas.openxmlformats.org/officeDocument/2006/relationships" xmlns:p="http://schemas.openxmlformats.org/presentationml/2006/main">
+  <p:cSld>
+    <p:spTree>
+      <p:nvGrpSpPr>
+        <p:cNvPr id="1" name=""/>
+        <p:cNvGrpSpPr/>
+        <p:nvPr/>
+      </p:nvGrpSpPr>
+      <p:grpSpPr>
+        <a:xfrm>
+          <a:off x="0" y="0"/>
+          <a:ext cx="0" cy="0"/>
+          <a:chOff x="0" y="0"/>
+          <a:chExt cx="0" cy="0"/>
+        </a:xfrm>
+      </p:grpSpPr>
+      <p:sp>
+        <p:nvSpPr>
+          <p:cNvPr id="2" name="Title 1"/>
+          <p:cNvSpPr>
+            <a:spLocks noGrp="1"/>
+          </p:cNvSpPr>
+          <p:nvPr>
+            <p:ph type="title"/>
+          </p:nvPr>
+        </p:nvSpPr>
+        <p:spPr/>
+        <p:txBody>
+          <a:bodyPr/>
+          <a:lstStyle/>
+          <a:p>
+            <a:r>
+              <a:rPr lang="en-US" dirty="0" err="1" smtClean="0"/>
+              <a:t>Introducere</a:t>
+            </a:r>
+            <a:endParaRPr lang="en-US" dirty="0"/>
+          </a:p>
+        </p:txBody>
+      </p:sp>
+      <p:sp>
+        <p:nvSpPr>
+          <p:cNvPr id="3" name="Content Placeholder 2"/>
+          <p:cNvSpPr>
+            <a:spLocks noGrp="1"/>
+          </p:cNvSpPr>
+          <p:nvPr>
+            <p:ph sz="quarter" idx="1"/>
+          </p:nvPr>
+        </p:nvSpPr>
+        <p:spPr/>
+        <p:txBody>
+          <a:bodyPr>
+            <a:normAutofit fontScale="92500" lnSpcReduction="10000"/>
+          </a:bodyPr>
+          <a:lstStyle/>
+          <a:p>
+            <a:r>
+              <a:rPr lang="vi-VN" dirty="0"/>
+              <a:t>Jocurile video reprezintă o formă interactivă de divertisment care utilizează tehnologia informației pentru a oferi experiențe virtuale</a:t>
+            </a:r>
+            <a:r>
+              <a:rPr lang="vi-VN" dirty="0" smtClean="0"/>
+              <a:t>.</a:t>
+            </a:r>
+            <a:endParaRPr lang="en-US" dirty="0" smtClean="0"/>
+          </a:p>
+          <a:p>
+            <a:r>
+              <a:rPr lang="vi-VN" dirty="0"/>
+              <a:t>Există o varietate largă de genuri și stiluri de jocuri video, inclusiv acțiune, aventură, strategie, puzzle, platforming, în formate precum singleplayer, multiplayer online, 2D, 3D, side view, top-down view, etc</a:t>
+            </a:r>
+            <a:r>
+              <a:rPr lang="vi-VN" dirty="0" smtClean="0"/>
+              <a:t>.</a:t>
+            </a:r>
+            <a:endParaRPr lang="en-US" dirty="0" smtClean="0"/>
+          </a:p>
+          <a:p>
+            <a:r>
+              <a:rPr lang="vi-VN" dirty="0"/>
+              <a:t>Industria jocurilor video a înregistrat venituri semnificative în 2022, ajungând la 184.4 miliarde de dolari, </a:t>
+            </a:r>
+            <a:r>
+              <a:rPr lang="en-US" dirty="0" err="1" smtClean="0">
+                <a:latin typeface="Times New Roman" pitchFamily="18" charset="0"/>
+                <a:cs typeface="Times New Roman" pitchFamily="18" charset="0"/>
+              </a:rPr>
+              <a:t>comparativ</a:t>
+            </a:r>
+            <a:r>
+              <a:rPr lang="en-US" dirty="0" smtClean="0">
+                <a:latin typeface="Times New Roman" pitchFamily="18" charset="0"/>
+                <a:cs typeface="Times New Roman" pitchFamily="18" charset="0"/>
+              </a:rPr>
+              <a:t> cu </a:t>
+            </a:r>
+            <a:r>
+              <a:rPr lang="vi-VN" dirty="0" smtClean="0"/>
+              <a:t>industria </a:t>
+            </a:r>
+            <a:r>
+              <a:rPr lang="vi-VN" dirty="0"/>
+              <a:t>muzicii cu 26.2 miliarde de dolari și industria filmelor cu 77 miliarde de dolari</a:t>
+            </a:r>
+            <a:r>
+              <a:rPr lang="vi-VN" dirty="0" smtClean="0"/>
+              <a:t>.</a:t>
+            </a:r>
+            <a:endParaRPr lang="en-US" dirty="0" smtClean="0"/>
+          </a:p>
+          <a:p>
+            <a:r>
+              <a:rPr lang="vi-VN" dirty="0"/>
+              <a:t>Jocurile video pot fi utilizate și ca simulări ale lumii </a:t>
+            </a:r>
+            <a:r>
+              <a:rPr lang="vi-VN" dirty="0" smtClean="0"/>
+              <a:t>reale</a:t>
+            </a:r>
+            <a:r>
+              <a:rPr lang="en-US" dirty="0" smtClean="0"/>
+              <a:t>.</a:t>
+            </a:r>
+            <a:endParaRPr lang="en-US" dirty="0"/>
+          </a:p>
+        </p:txBody>
+      </p:sp>
+    </p:spTree>
+    <p:extLst>
+      <p:ext uri="{BB962C8B-B14F-4D97-AF65-F5344CB8AC3E}">
+        <p14:creationId xmlns:p14="http://schemas.microsoft.com/office/powerpoint/2010/main" val="2337624916"/>
+      </p:ext>
+    </p:extLst>
+  </p:cSld>
+  <p:clrMapOvr>
+    <a:masterClrMapping/>
+  </p:clrMapOvr>
+</p:sld>
+</file>
+
+<file path=ppt/slides/slide20.xml><?xml version="1.0" encoding="utf-8"?>
 <p:sld xmlns:a="http://schemas.openxmlformats.org/drawingml/2006/main" xmlns:r="http://schemas.openxmlformats.org/officeDocument/2006/relationships" xmlns:p="http://schemas.openxmlformats.org/presentationml/2006/main">
   <p:cSld>
     <p:spTree>
@@ -4662,7 +5052,7 @@
 </p:sld>
 </file>
 
-<file path=ppt/slides/slide19.xml><?xml version="1.0" encoding="utf-8"?>
+<file path=ppt/slides/slide21.xml><?xml version="1.0" encoding="utf-8"?>
 <p:sld xmlns:a="http://schemas.openxmlformats.org/drawingml/2006/main" xmlns:r="http://schemas.openxmlformats.org/officeDocument/2006/relationships" xmlns:p="http://schemas.openxmlformats.org/presentationml/2006/main">
   <p:cSld>
     <p:spTree>
@@ -4987,197 +5377,7 @@
 </p:sld>
 </file>
 
-<file path=ppt/slides/slide2.xml><?xml version="1.0" encoding="utf-8"?>
-<p:sld xmlns:a="http://schemas.openxmlformats.org/drawingml/2006/main" xmlns:r="http://schemas.openxmlformats.org/officeDocument/2006/relationships" xmlns:p="http://schemas.openxmlformats.org/presentationml/2006/main">
-  <p:cSld>
-    <p:spTree>
-      <p:nvGrpSpPr>
-        <p:cNvPr id="1" name=""/>
-        <p:cNvGrpSpPr/>
-        <p:nvPr/>
-      </p:nvGrpSpPr>
-      <p:grpSpPr>
-        <a:xfrm>
-          <a:off x="0" y="0"/>
-          <a:ext cx="0" cy="0"/>
-          <a:chOff x="0" y="0"/>
-          <a:chExt cx="0" cy="0"/>
-        </a:xfrm>
-      </p:grpSpPr>
-      <p:sp>
-        <p:nvSpPr>
-          <p:cNvPr id="2" name="Title 1"/>
-          <p:cNvSpPr>
-            <a:spLocks noGrp="1"/>
-          </p:cNvSpPr>
-          <p:nvPr>
-            <p:ph type="title"/>
-          </p:nvPr>
-        </p:nvSpPr>
-        <p:spPr/>
-        <p:txBody>
-          <a:bodyPr/>
-          <a:lstStyle/>
-          <a:p>
-            <a:r>
-              <a:rPr lang="en-US" dirty="0" err="1"/>
-              <a:t>Experiența</a:t>
-            </a:r>
-            <a:r>
-              <a:rPr lang="en-US" dirty="0"/>
-              <a:t> </a:t>
-            </a:r>
-            <a:r>
-              <a:rPr lang="en-US" dirty="0" err="1"/>
-              <a:t>utilizatorului</a:t>
-            </a:r>
-            <a:r>
-              <a:rPr lang="en-US" dirty="0"/>
-              <a:t>:</a:t>
-            </a:r>
-          </a:p>
-        </p:txBody>
-      </p:sp>
-      <p:sp>
-        <p:nvSpPr>
-          <p:cNvPr id="3" name="Content Placeholder 2"/>
-          <p:cNvSpPr>
-            <a:spLocks noGrp="1"/>
-          </p:cNvSpPr>
-          <p:nvPr>
-            <p:ph sz="quarter" idx="1"/>
-          </p:nvPr>
-        </p:nvSpPr>
-        <p:spPr/>
-        <p:txBody>
-          <a:bodyPr>
-            <a:normAutofit fontScale="85000" lnSpcReduction="20000"/>
-          </a:bodyPr>
-          <a:lstStyle/>
-          <a:p>
-            <a:pPr marL="0" indent="0">
-              <a:buNone/>
-            </a:pPr>
-            <a:r>
-              <a:rPr lang="vi-VN" dirty="0" smtClean="0"/>
-              <a:t>Când </a:t>
-            </a:r>
-            <a:r>
-              <a:rPr lang="vi-VN" dirty="0"/>
-              <a:t>utilizatorul deschide aplicația, este întâmpinat de un meniu principal, de unde poate alege să înceapă jocul, să schimbe setările sau să închidă complet aplicația. Dacă utilizează butonul de start, va apărea un meniu de </a:t>
-            </a:r>
-            <a:r>
-              <a:rPr lang="vi-VN" dirty="0" smtClean="0"/>
-              <a:t>salv</a:t>
-            </a:r>
-            <a:r>
-              <a:rPr lang="ro-RO" dirty="0" smtClean="0"/>
-              <a:t>ă</a:t>
-            </a:r>
-            <a:r>
-              <a:rPr lang="vi-VN" dirty="0" smtClean="0"/>
-              <a:t>r</a:t>
-            </a:r>
-            <a:r>
-              <a:rPr lang="ro-RO" dirty="0" smtClean="0"/>
-              <a:t>i</a:t>
-            </a:r>
-            <a:r>
-              <a:rPr lang="vi-VN" dirty="0" smtClean="0"/>
-              <a:t>, </a:t>
-            </a:r>
-            <a:r>
-              <a:rPr lang="vi-VN" dirty="0"/>
-              <a:t>unde poate alege dintre cele 3 sloturi disponibile. Pe fiecare slot vor fi afișate opțiunile următoare</a:t>
-            </a:r>
-            <a:r>
-              <a:rPr lang="vi-VN" dirty="0" smtClean="0"/>
-              <a:t>:</a:t>
-            </a:r>
-            <a:endParaRPr lang="ro-RO" dirty="0" smtClean="0"/>
-          </a:p>
-          <a:p>
-            <a:pPr marL="0" indent="0">
-              <a:buNone/>
-            </a:pPr>
-            <a:endParaRPr lang="vi-VN" dirty="0"/>
-          </a:p>
-          <a:p>
-            <a:r>
-              <a:rPr lang="vi-VN" dirty="0"/>
-              <a:t>Dacă există o salvare pentru slotul respectiv, utilizatorul poate continua jocul de unde a rămas sau poate șterge salvarea</a:t>
-            </a:r>
-            <a:r>
-              <a:rPr lang="vi-VN" dirty="0" smtClean="0"/>
-              <a:t>.</a:t>
-            </a:r>
-            <a:endParaRPr lang="ro-RO" dirty="0" smtClean="0"/>
-          </a:p>
-          <a:p>
-            <a:endParaRPr lang="vi-VN" dirty="0"/>
-          </a:p>
-          <a:p>
-            <a:r>
-              <a:rPr lang="vi-VN" dirty="0"/>
-              <a:t>Dacă nu există o salvare pentru slotul respectiv, utilizatorul poate porni un joc nou. </a:t>
-            </a:r>
-            <a:endParaRPr lang="ro-RO" dirty="0" smtClean="0"/>
-          </a:p>
-          <a:p>
-            <a:pPr marL="0" indent="0">
-              <a:buNone/>
-            </a:pPr>
-            <a:endParaRPr lang="ro-RO" dirty="0"/>
-          </a:p>
-          <a:p>
-            <a:pPr marL="0" indent="0">
-              <a:buNone/>
-            </a:pPr>
-            <a:r>
-              <a:rPr lang="vi-VN" dirty="0" smtClean="0"/>
-              <a:t>Dacă </a:t>
-            </a:r>
-            <a:r>
-              <a:rPr lang="vi-VN" dirty="0"/>
-              <a:t>apasă butonul de opțiuni, utilizatorul va fi direcționat către un meniu în care poate schimba setările pentru sunete (volumul muzicii și efectelor sonore) sau </a:t>
-            </a:r>
-            <a:r>
-              <a:rPr lang="ro-RO" dirty="0" smtClean="0">
-                <a:latin typeface="Arial" pitchFamily="34" charset="0"/>
-                <a:cs typeface="Arial" pitchFamily="34" charset="0"/>
-              </a:rPr>
-              <a:t>maparea</a:t>
-            </a:r>
-            <a:r>
-              <a:rPr lang="ro-RO" dirty="0" smtClean="0"/>
-              <a:t> </a:t>
-            </a:r>
-            <a:r>
-              <a:rPr lang="vi-VN" dirty="0" smtClean="0"/>
-              <a:t>butoanelor</a:t>
-            </a:r>
-            <a:r>
-              <a:rPr lang="vi-VN" dirty="0"/>
-              <a:t>. </a:t>
-            </a:r>
-            <a:endParaRPr lang="en-US" dirty="0"/>
-          </a:p>
-        </p:txBody>
-      </p:sp>
-    </p:spTree>
-    <p:extLst>
-      <p:ext uri="{BB962C8B-B14F-4D97-AF65-F5344CB8AC3E}">
-        <p14:creationId xmlns:p14="http://schemas.microsoft.com/office/powerpoint/2010/main" val="1181866843"/>
-      </p:ext>
-    </p:extLst>
-  </p:cSld>
-  <p:clrMapOvr>
-    <a:masterClrMapping/>
-  </p:clrMapOvr>
-</p:sld>
-</file>
-
-<file path=ppt/slides/slide20.xml><?xml version="1.0" encoding="utf-8"?>
+<file path=ppt/slides/slide22.xml><?xml version="1.0" encoding="utf-8"?>
 <p:sld xmlns:a="http://schemas.openxmlformats.org/drawingml/2006/main" xmlns:r="http://schemas.openxmlformats.org/officeDocument/2006/relationships" xmlns:p="http://schemas.openxmlformats.org/presentationml/2006/main">
   <p:cSld>
     <p:spTree>
@@ -5239,7 +5439,7 @@
 </p:sld>
 </file>
 
-<file path=ppt/slides/slide21.xml><?xml version="1.0" encoding="utf-8"?>
+<file path=ppt/slides/slide23.xml><?xml version="1.0" encoding="utf-8"?>
 <p:sld xmlns:a="http://schemas.openxmlformats.org/drawingml/2006/main" xmlns:r="http://schemas.openxmlformats.org/officeDocument/2006/relationships" xmlns:p="http://schemas.openxmlformats.org/presentationml/2006/main">
   <p:cSld>
     <p:spTree>
@@ -5384,7 +5584,7 @@
 </p:sld>
 </file>
 
-<file path=ppt/slides/slide22.xml><?xml version="1.0" encoding="utf-8"?>
+<file path=ppt/slides/slide24.xml><?xml version="1.0" encoding="utf-8"?>
 <p:sld xmlns:a="http://schemas.openxmlformats.org/drawingml/2006/main" xmlns:r="http://schemas.openxmlformats.org/officeDocument/2006/relationships" xmlns:p="http://schemas.openxmlformats.org/presentationml/2006/main">
   <p:cSld>
     <p:spTree>
@@ -5446,7 +5646,7 @@
 </p:sld>
 </file>
 
-<file path=ppt/slides/slide23.xml><?xml version="1.0" encoding="utf-8"?>
+<file path=ppt/slides/slide25.xml><?xml version="1.0" encoding="utf-8"?>
 <p:sld xmlns:a="http://schemas.openxmlformats.org/drawingml/2006/main" xmlns:r="http://schemas.openxmlformats.org/officeDocument/2006/relationships" xmlns:p="http://schemas.openxmlformats.org/presentationml/2006/main">
   <p:cSld>
     <p:spTree>
@@ -5535,7 +5735,7 @@
 </p:sld>
 </file>
 
-<file path=ppt/slides/slide24.xml><?xml version="1.0" encoding="utf-8"?>
+<file path=ppt/slides/slide26.xml><?xml version="1.0" encoding="utf-8"?>
 <p:sld xmlns:a="http://schemas.openxmlformats.org/drawingml/2006/main" xmlns:r="http://schemas.openxmlformats.org/officeDocument/2006/relationships" xmlns:p="http://schemas.openxmlformats.org/presentationml/2006/main">
   <p:cSld>
     <p:spTree>
@@ -5652,7 +5852,7 @@
 </p:sld>
 </file>
 
-<file path=ppt/slides/slide25.xml><?xml version="1.0" encoding="utf-8"?>
+<file path=ppt/slides/slide27.xml><?xml version="1.0" encoding="utf-8"?>
 <p:sld xmlns:a="http://schemas.openxmlformats.org/drawingml/2006/main" xmlns:r="http://schemas.openxmlformats.org/officeDocument/2006/relationships" xmlns:p="http://schemas.openxmlformats.org/presentationml/2006/main">
   <p:cSld>
     <p:spTree>
@@ -5770,6 +5970,114 @@
 </p:sld>
 </file>
 
+<file path=ppt/slides/slide28.xml><?xml version="1.0" encoding="utf-8"?>
+<p:sld xmlns:a="http://schemas.openxmlformats.org/drawingml/2006/main" xmlns:r="http://schemas.openxmlformats.org/officeDocument/2006/relationships" xmlns:p="http://schemas.openxmlformats.org/presentationml/2006/main">
+  <p:cSld>
+    <p:spTree>
+      <p:nvGrpSpPr>
+        <p:cNvPr id="1" name=""/>
+        <p:cNvGrpSpPr/>
+        <p:nvPr/>
+      </p:nvGrpSpPr>
+      <p:grpSpPr>
+        <a:xfrm>
+          <a:off x="0" y="0"/>
+          <a:ext cx="0" cy="0"/>
+          <a:chOff x="0" y="0"/>
+          <a:chExt cx="0" cy="0"/>
+        </a:xfrm>
+      </p:grpSpPr>
+      <p:sp>
+        <p:nvSpPr>
+          <p:cNvPr id="2" name="Title 1"/>
+          <p:cNvSpPr>
+            <a:spLocks noGrp="1"/>
+          </p:cNvSpPr>
+          <p:nvPr>
+            <p:ph type="title"/>
+          </p:nvPr>
+        </p:nvSpPr>
+        <p:spPr/>
+        <p:txBody>
+          <a:bodyPr/>
+          <a:lstStyle/>
+          <a:p>
+            <a:r>
+              <a:rPr lang="en-US" dirty="0" err="1" smtClean="0"/>
+              <a:t>Concluzii</a:t>
+            </a:r>
+            <a:endParaRPr lang="en-US" dirty="0"/>
+          </a:p>
+        </p:txBody>
+      </p:sp>
+      <p:sp>
+        <p:nvSpPr>
+          <p:cNvPr id="3" name="Content Placeholder 2"/>
+          <p:cNvSpPr>
+            <a:spLocks noGrp="1"/>
+          </p:cNvSpPr>
+          <p:nvPr>
+            <p:ph sz="quarter" idx="1"/>
+          </p:nvPr>
+        </p:nvSpPr>
+        <p:spPr/>
+        <p:txBody>
+          <a:bodyPr>
+            <a:normAutofit lnSpcReduction="10000"/>
+          </a:bodyPr>
+          <a:lstStyle/>
+          <a:p>
+            <a:r>
+              <a:rPr lang="vi-VN" dirty="0"/>
+              <a:t>Cu ajutorul motorului Unity, au fost utilizate instrumente și funcționalități puternice pentru a dezvolta un produs vizual atractiv, cu mecanici de joc interesante și o interfață intuitivă pentru utilizatori</a:t>
+            </a:r>
+            <a:r>
+              <a:rPr lang="vi-VN" dirty="0" smtClean="0"/>
+              <a:t>.</a:t>
+            </a:r>
+            <a:endParaRPr lang="en-US" dirty="0" smtClean="0"/>
+          </a:p>
+          <a:p>
+            <a:r>
+              <a:rPr lang="vi-VN" dirty="0"/>
+              <a:t>Relevanța temei este evidențiată de impactul industriei jocurilor în lumea divertismentului, veniturile semnificative generate și varietatea genurilor și stilurilor de jocuri disponibile. </a:t>
+            </a:r>
+            <a:endParaRPr lang="en-US" dirty="0" smtClean="0"/>
+          </a:p>
+          <a:p>
+            <a:r>
+              <a:rPr lang="vi-VN" dirty="0" smtClean="0"/>
+              <a:t>Jocurile </a:t>
+            </a:r>
+            <a:r>
+              <a:rPr lang="vi-VN" dirty="0"/>
+              <a:t>video pot oferi experiențe virtuale variate și pot contribui la progresul științei prin simularea diferitelor </a:t>
+            </a:r>
+            <a:r>
+              <a:rPr lang="vi-VN" dirty="0" smtClean="0"/>
+              <a:t>lucruri</a:t>
+            </a:r>
+            <a:r>
+              <a:rPr lang="en-US" dirty="0" smtClean="0"/>
+              <a:t>.</a:t>
+            </a:r>
+            <a:endParaRPr lang="en-US" dirty="0"/>
+          </a:p>
+        </p:txBody>
+      </p:sp>
+    </p:spTree>
+    <p:extLst>
+      <p:ext uri="{BB962C8B-B14F-4D97-AF65-F5344CB8AC3E}">
+        <p14:creationId xmlns:p14="http://schemas.microsoft.com/office/powerpoint/2010/main" val="2632112315"/>
+      </p:ext>
+    </p:extLst>
+  </p:cSld>
+  <p:clrMapOvr>
+    <a:masterClrMapping/>
+  </p:clrMapOvr>
+</p:sld>
+</file>
+
 <file path=ppt/slides/slide3.xml><?xml version="1.0" encoding="utf-8"?>
 <p:sld xmlns:a="http://schemas.openxmlformats.org/drawingml/2006/main" xmlns:r="http://schemas.openxmlformats.org/officeDocument/2006/relationships" xmlns:p="http://schemas.openxmlformats.org/presentationml/2006/main">
   <p:cSld>
@@ -5787,6 +6095,258 @@
           <a:chExt cx="0" cy="0"/>
         </a:xfrm>
       </p:grpSpPr>
+      <p:pic>
+        <p:nvPicPr>
+          <p:cNvPr id="4" name="Content Placeholder 3"/>
+          <p:cNvPicPr>
+            <a:picLocks noGrp="1"/>
+          </p:cNvPicPr>
+          <p:nvPr>
+            <p:ph sz="quarter" idx="1"/>
+          </p:nvPr>
+        </p:nvPicPr>
+        <p:blipFill>
+          <a:blip r:embed="rId2">
+            <a:extLst>
+              <a:ext uri="{28A0092B-C50C-407E-A947-70E740481C1C}">
+                <a14:useLocalDpi xmlns:a14="http://schemas.microsoft.com/office/drawing/2010/main" val="0"/>
+              </a:ext>
+            </a:extLst>
+          </a:blip>
+          <a:stretch>
+            <a:fillRect/>
+          </a:stretch>
+        </p:blipFill>
+        <p:spPr>
+          <a:xfrm>
+            <a:off x="1524000" y="1066800"/>
+            <a:ext cx="6145706" cy="4903624"/>
+          </a:xfrm>
+          <a:prstGeom prst="rect">
+            <a:avLst/>
+          </a:prstGeom>
+        </p:spPr>
+      </p:pic>
+    </p:spTree>
+    <p:extLst>
+      <p:ext uri="{BB962C8B-B14F-4D97-AF65-F5344CB8AC3E}">
+        <p14:creationId xmlns:p14="http://schemas.microsoft.com/office/powerpoint/2010/main" val="727920788"/>
+      </p:ext>
+    </p:extLst>
+  </p:cSld>
+  <p:clrMapOvr>
+    <a:masterClrMapping/>
+  </p:clrMapOvr>
+</p:sld>
+</file>
+
+<file path=ppt/slides/slide4.xml><?xml version="1.0" encoding="utf-8"?>
+<p:sld xmlns:a="http://schemas.openxmlformats.org/drawingml/2006/main" xmlns:r="http://schemas.openxmlformats.org/officeDocument/2006/relationships" xmlns:p="http://schemas.openxmlformats.org/presentationml/2006/main">
+  <p:cSld>
+    <p:spTree>
+      <p:nvGrpSpPr>
+        <p:cNvPr id="1" name=""/>
+        <p:cNvGrpSpPr/>
+        <p:nvPr/>
+      </p:nvGrpSpPr>
+      <p:grpSpPr>
+        <a:xfrm>
+          <a:off x="0" y="0"/>
+          <a:ext cx="0" cy="0"/>
+          <a:chOff x="0" y="0"/>
+          <a:chExt cx="0" cy="0"/>
+        </a:xfrm>
+      </p:grpSpPr>
+      <p:sp>
+        <p:nvSpPr>
+          <p:cNvPr id="2" name="Title 1"/>
+          <p:cNvSpPr>
+            <a:spLocks noGrp="1"/>
+          </p:cNvSpPr>
+          <p:nvPr>
+            <p:ph type="title"/>
+          </p:nvPr>
+        </p:nvSpPr>
+        <p:spPr/>
+        <p:txBody>
+          <a:bodyPr/>
+          <a:lstStyle/>
+          <a:p>
+            <a:r>
+              <a:rPr lang="en-US" dirty="0" err="1"/>
+              <a:t>Experiența</a:t>
+            </a:r>
+            <a:r>
+              <a:rPr lang="en-US" dirty="0"/>
+              <a:t> </a:t>
+            </a:r>
+            <a:r>
+              <a:rPr lang="en-US" dirty="0" err="1"/>
+              <a:t>utilizatorului</a:t>
+            </a:r>
+            <a:r>
+              <a:rPr lang="en-US" dirty="0"/>
+              <a:t>:</a:t>
+            </a:r>
+          </a:p>
+        </p:txBody>
+      </p:sp>
+      <p:sp>
+        <p:nvSpPr>
+          <p:cNvPr id="3" name="Content Placeholder 2"/>
+          <p:cNvSpPr>
+            <a:spLocks noGrp="1"/>
+          </p:cNvSpPr>
+          <p:nvPr>
+            <p:ph sz="quarter" idx="1"/>
+          </p:nvPr>
+        </p:nvSpPr>
+        <p:spPr/>
+        <p:txBody>
+          <a:bodyPr>
+            <a:normAutofit fontScale="85000" lnSpcReduction="20000"/>
+          </a:bodyPr>
+          <a:lstStyle/>
+          <a:p>
+            <a:pPr marL="0" indent="0">
+              <a:buNone/>
+            </a:pPr>
+            <a:r>
+              <a:rPr lang="vi-VN" dirty="0" smtClean="0"/>
+              <a:t>Când </a:t>
+            </a:r>
+            <a:r>
+              <a:rPr lang="vi-VN" dirty="0"/>
+              <a:t>utilizatorul deschide aplicația, este întâmpinat de un meniu principal, de unde poate alege să înceapă jocul, să schimbe setările sau să închidă complet aplicația. Dacă utilizează butonul de start, va apărea un meniu de </a:t>
+            </a:r>
+            <a:r>
+              <a:rPr lang="vi-VN" dirty="0" smtClean="0"/>
+              <a:t>salv</a:t>
+            </a:r>
+            <a:r>
+              <a:rPr lang="ro-RO" dirty="0" smtClean="0"/>
+              <a:t>ă</a:t>
+            </a:r>
+            <a:r>
+              <a:rPr lang="vi-VN" dirty="0" smtClean="0"/>
+              <a:t>r</a:t>
+            </a:r>
+            <a:r>
+              <a:rPr lang="ro-RO" dirty="0" smtClean="0"/>
+              <a:t>i</a:t>
+            </a:r>
+            <a:r>
+              <a:rPr lang="vi-VN" dirty="0" smtClean="0"/>
+              <a:t>, </a:t>
+            </a:r>
+            <a:r>
+              <a:rPr lang="vi-VN" dirty="0"/>
+              <a:t>unde poate alege dintre cele 3 sloturi disponibile. Pe fiecare slot vor fi afișate opțiunile următoare</a:t>
+            </a:r>
+            <a:r>
+              <a:rPr lang="vi-VN" dirty="0" smtClean="0"/>
+              <a:t>:</a:t>
+            </a:r>
+            <a:endParaRPr lang="ro-RO" dirty="0" smtClean="0"/>
+          </a:p>
+          <a:p>
+            <a:pPr marL="0" indent="0">
+              <a:buNone/>
+            </a:pPr>
+            <a:endParaRPr lang="vi-VN" dirty="0"/>
+          </a:p>
+          <a:p>
+            <a:r>
+              <a:rPr lang="vi-VN" dirty="0"/>
+              <a:t>Dacă există o salvare pentru slotul respectiv, utilizatorul poate continua jocul de unde a rămas sau poate șterge salvarea</a:t>
+            </a:r>
+            <a:r>
+              <a:rPr lang="vi-VN" dirty="0" smtClean="0"/>
+              <a:t>.</a:t>
+            </a:r>
+            <a:endParaRPr lang="ro-RO" dirty="0" smtClean="0"/>
+          </a:p>
+          <a:p>
+            <a:endParaRPr lang="vi-VN" dirty="0"/>
+          </a:p>
+          <a:p>
+            <a:r>
+              <a:rPr lang="vi-VN" dirty="0"/>
+              <a:t>Dacă nu există o salvare pentru slotul respectiv, utilizatorul poate porni un joc nou. </a:t>
+            </a:r>
+            <a:endParaRPr lang="ro-RO" dirty="0" smtClean="0"/>
+          </a:p>
+          <a:p>
+            <a:pPr marL="0" indent="0">
+              <a:buNone/>
+            </a:pPr>
+            <a:endParaRPr lang="ro-RO" dirty="0"/>
+          </a:p>
+          <a:p>
+            <a:pPr marL="0" indent="0">
+              <a:buNone/>
+            </a:pPr>
+            <a:r>
+              <a:rPr lang="vi-VN" dirty="0" smtClean="0"/>
+              <a:t>Dacă </a:t>
+            </a:r>
+            <a:r>
+              <a:rPr lang="vi-VN" dirty="0"/>
+              <a:t>apasă butonul de opțiuni, utilizatorul va fi direcționat către un meniu în care poate schimba setările pentru sunete (volumul muzicii și efectelor sonore) sau </a:t>
+            </a:r>
+            <a:r>
+              <a:rPr lang="ro-RO" dirty="0" smtClean="0">
+                <a:latin typeface="Arial" pitchFamily="34" charset="0"/>
+                <a:cs typeface="Arial" pitchFamily="34" charset="0"/>
+              </a:rPr>
+              <a:t>maparea</a:t>
+            </a:r>
+            <a:r>
+              <a:rPr lang="ro-RO" dirty="0" smtClean="0"/>
+              <a:t> </a:t>
+            </a:r>
+            <a:r>
+              <a:rPr lang="vi-VN" dirty="0" smtClean="0"/>
+              <a:t>butoanelor</a:t>
+            </a:r>
+            <a:r>
+              <a:rPr lang="vi-VN" dirty="0"/>
+              <a:t>. </a:t>
+            </a:r>
+            <a:endParaRPr lang="en-US" dirty="0"/>
+          </a:p>
+        </p:txBody>
+      </p:sp>
+    </p:spTree>
+    <p:extLst>
+      <p:ext uri="{BB962C8B-B14F-4D97-AF65-F5344CB8AC3E}">
+        <p14:creationId xmlns:p14="http://schemas.microsoft.com/office/powerpoint/2010/main" val="1181866843"/>
+      </p:ext>
+    </p:extLst>
+  </p:cSld>
+  <p:clrMapOvr>
+    <a:masterClrMapping/>
+  </p:clrMapOvr>
+</p:sld>
+</file>
+
+<file path=ppt/slides/slide5.xml><?xml version="1.0" encoding="utf-8"?>
+<p:sld xmlns:a="http://schemas.openxmlformats.org/drawingml/2006/main" xmlns:r="http://schemas.openxmlformats.org/officeDocument/2006/relationships" xmlns:p="http://schemas.openxmlformats.org/presentationml/2006/main">
+  <p:cSld>
+    <p:spTree>
+      <p:nvGrpSpPr>
+        <p:cNvPr id="1" name=""/>
+        <p:cNvGrpSpPr/>
+        <p:nvPr/>
+      </p:nvGrpSpPr>
+      <p:grpSpPr>
+        <a:xfrm>
+          <a:off x="0" y="0"/>
+          <a:ext cx="0" cy="0"/>
+          <a:chOff x="0" y="0"/>
+          <a:chExt cx="0" cy="0"/>
+        </a:xfrm>
+      </p:grpSpPr>
       <p:sp>
         <p:nvSpPr>
           <p:cNvPr id="3" name="Content Placeholder 2"/>
@@ -5875,7 +6435,7 @@
 </p:sld>
 </file>
 
-<file path=ppt/slides/slide4.xml><?xml version="1.0" encoding="utf-8"?>
+<file path=ppt/slides/slide6.xml><?xml version="1.0" encoding="utf-8"?>
 <p:sld xmlns:a="http://schemas.openxmlformats.org/drawingml/2006/main" xmlns:r="http://schemas.openxmlformats.org/officeDocument/2006/relationships" xmlns:p="http://schemas.openxmlformats.org/presentationml/2006/main">
   <p:cSld>
     <p:spTree>
@@ -6021,7 +6581,7 @@
 </p:sld>
 </file>
 
-<file path=ppt/slides/slide5.xml><?xml version="1.0" encoding="utf-8"?>
+<file path=ppt/slides/slide7.xml><?xml version="1.0" encoding="utf-8"?>
 <p:sld xmlns:a="http://schemas.openxmlformats.org/drawingml/2006/main" xmlns:r="http://schemas.openxmlformats.org/officeDocument/2006/relationships" xmlns:p="http://schemas.openxmlformats.org/presentationml/2006/main">
   <p:cSld>
     <p:spTree>
@@ -6275,7 +6835,7 @@
 </p:sld>
 </file>
 
-<file path=ppt/slides/slide6.xml><?xml version="1.0" encoding="utf-8"?>
+<file path=ppt/slides/slide8.xml><?xml version="1.0" encoding="utf-8"?>
 <p:sld xmlns:a="http://schemas.openxmlformats.org/drawingml/2006/main" xmlns:r="http://schemas.openxmlformats.org/officeDocument/2006/relationships" xmlns:p="http://schemas.openxmlformats.org/presentationml/2006/main">
   <p:cSld>
     <p:spTree>
@@ -6337,7 +6897,7 @@
 </p:sld>
 </file>
 
-<file path=ppt/slides/slide7.xml><?xml version="1.0" encoding="utf-8"?>
+<file path=ppt/slides/slide9.xml><?xml version="1.0" encoding="utf-8"?>
 <p:sld xmlns:a="http://schemas.openxmlformats.org/drawingml/2006/main" xmlns:r="http://schemas.openxmlformats.org/officeDocument/2006/relationships" xmlns:p="http://schemas.openxmlformats.org/presentationml/2006/main">
   <p:cSld>
     <p:spTree>
@@ -6424,252 +6984,6 @@
     <p:extLst>
       <p:ext uri="{BB962C8B-B14F-4D97-AF65-F5344CB8AC3E}">
         <p14:creationId xmlns:p14="http://schemas.microsoft.com/office/powerpoint/2010/main" val="3575043095"/>
-      </p:ext>
-    </p:extLst>
-  </p:cSld>
-  <p:clrMapOvr>
-    <a:masterClrMapping/>
-  </p:clrMapOvr>
-</p:sld>
-</file>
-
-<file path=ppt/slides/slide8.xml><?xml version="1.0" encoding="utf-8"?>
-<p:sld xmlns:a="http://schemas.openxmlformats.org/drawingml/2006/main" xmlns:r="http://schemas.openxmlformats.org/officeDocument/2006/relationships" xmlns:p="http://schemas.openxmlformats.org/presentationml/2006/main">
-  <p:cSld>
-    <p:spTree>
-      <p:nvGrpSpPr>
-        <p:cNvPr id="1" name=""/>
-        <p:cNvGrpSpPr/>
-        <p:nvPr/>
-      </p:nvGrpSpPr>
-      <p:grpSpPr>
-        <a:xfrm>
-          <a:off x="0" y="0"/>
-          <a:ext cx="0" cy="0"/>
-          <a:chOff x="0" y="0"/>
-          <a:chExt cx="0" cy="0"/>
-        </a:xfrm>
-      </p:grpSpPr>
-      <p:pic>
-        <p:nvPicPr>
-          <p:cNvPr id="4" name="Content Placeholder 3"/>
-          <p:cNvPicPr>
-            <a:picLocks noGrp="1"/>
-          </p:cNvPicPr>
-          <p:nvPr>
-            <p:ph sz="quarter" idx="1"/>
-          </p:nvPr>
-        </p:nvPicPr>
-        <p:blipFill>
-          <a:blip r:embed="rId2" cstate="print">
-            <a:extLst>
-              <a:ext uri="{28A0092B-C50C-407E-A947-70E740481C1C}">
-                <a14:useLocalDpi xmlns:a14="http://schemas.microsoft.com/office/drawing/2010/main" val="0"/>
-              </a:ext>
-            </a:extLst>
-          </a:blip>
-          <a:stretch>
-            <a:fillRect/>
-          </a:stretch>
-        </p:blipFill>
-        <p:spPr>
-          <a:xfrm>
-            <a:off x="533400" y="1447800"/>
-            <a:ext cx="8228306" cy="3847453"/>
-          </a:xfrm>
-          <a:prstGeom prst="rect">
-            <a:avLst/>
-          </a:prstGeom>
-        </p:spPr>
-      </p:pic>
-    </p:spTree>
-    <p:extLst>
-      <p:ext uri="{BB962C8B-B14F-4D97-AF65-F5344CB8AC3E}">
-        <p14:creationId xmlns:p14="http://schemas.microsoft.com/office/powerpoint/2010/main" val="1150793466"/>
-      </p:ext>
-    </p:extLst>
-  </p:cSld>
-  <p:clrMapOvr>
-    <a:masterClrMapping/>
-  </p:clrMapOvr>
-</p:sld>
-</file>
-
-<file path=ppt/slides/slide9.xml><?xml version="1.0" encoding="utf-8"?>
-<p:sld xmlns:a="http://schemas.openxmlformats.org/drawingml/2006/main" xmlns:r="http://schemas.openxmlformats.org/officeDocument/2006/relationships" xmlns:p="http://schemas.openxmlformats.org/presentationml/2006/main">
-  <p:cSld>
-    <p:spTree>
-      <p:nvGrpSpPr>
-        <p:cNvPr id="1" name=""/>
-        <p:cNvGrpSpPr/>
-        <p:nvPr/>
-      </p:nvGrpSpPr>
-      <p:grpSpPr>
-        <a:xfrm>
-          <a:off x="0" y="0"/>
-          <a:ext cx="0" cy="0"/>
-          <a:chOff x="0" y="0"/>
-          <a:chExt cx="0" cy="0"/>
-        </a:xfrm>
-      </p:grpSpPr>
-      <p:sp>
-        <p:nvSpPr>
-          <p:cNvPr id="2" name="Title 1"/>
-          <p:cNvSpPr>
-            <a:spLocks noGrp="1"/>
-          </p:cNvSpPr>
-          <p:nvPr>
-            <p:ph type="title"/>
-          </p:nvPr>
-        </p:nvSpPr>
-        <p:spPr/>
-        <p:txBody>
-          <a:bodyPr/>
-          <a:lstStyle/>
-          <a:p>
-            <a:r>
-              <a:rPr lang="en-US" dirty="0" err="1" smtClean="0"/>
-              <a:t>Inamici</a:t>
-            </a:r>
-            <a:r>
-              <a:rPr lang="en-US" dirty="0" smtClean="0"/>
-              <a:t> melee</a:t>
-            </a:r>
-            <a:endParaRPr lang="en-US" dirty="0"/>
-          </a:p>
-        </p:txBody>
-      </p:sp>
-      <p:sp>
-        <p:nvSpPr>
-          <p:cNvPr id="3" name="Content Placeholder 2"/>
-          <p:cNvSpPr>
-            <a:spLocks noGrp="1"/>
-          </p:cNvSpPr>
-          <p:nvPr>
-            <p:ph sz="quarter" idx="1"/>
-          </p:nvPr>
-        </p:nvSpPr>
-        <p:spPr/>
-        <p:txBody>
-          <a:bodyPr>
-            <a:normAutofit fontScale="70000" lnSpcReduction="20000"/>
-          </a:bodyPr>
-          <a:lstStyle/>
-          <a:p>
-            <a:r>
-              <a:rPr lang="en-US" dirty="0" smtClean="0">
-                <a:latin typeface="Times New Roman" pitchFamily="18" charset="0"/>
-                <a:cs typeface="Times New Roman" pitchFamily="18" charset="0"/>
-              </a:rPr>
-              <a:t>La </a:t>
-            </a:r>
-            <a:r>
-              <a:rPr lang="en-US" dirty="0" err="1" smtClean="0">
-                <a:latin typeface="Times New Roman" pitchFamily="18" charset="0"/>
-                <a:cs typeface="Times New Roman" pitchFamily="18" charset="0"/>
-              </a:rPr>
-              <a:t>fel</a:t>
-            </a:r>
-            <a:r>
-              <a:rPr lang="en-US" dirty="0" smtClean="0">
-                <a:latin typeface="Times New Roman" pitchFamily="18" charset="0"/>
-                <a:cs typeface="Times New Roman" pitchFamily="18" charset="0"/>
-              </a:rPr>
-              <a:t> </a:t>
-            </a:r>
-            <a:r>
-              <a:rPr lang="en-US" dirty="0" err="1" smtClean="0">
-                <a:latin typeface="Times New Roman" pitchFamily="18" charset="0"/>
-                <a:cs typeface="Times New Roman" pitchFamily="18" charset="0"/>
-              </a:rPr>
-              <a:t>ca</a:t>
-            </a:r>
-            <a:r>
-              <a:rPr lang="en-US" dirty="0" smtClean="0">
-                <a:latin typeface="Times New Roman" pitchFamily="18" charset="0"/>
-                <a:cs typeface="Times New Roman" pitchFamily="18" charset="0"/>
-              </a:rPr>
-              <a:t> </a:t>
-            </a:r>
-            <a:r>
-              <a:rPr lang="ro-RO" dirty="0" smtClean="0">
-                <a:latin typeface="Times New Roman" pitchFamily="18" charset="0"/>
-                <a:cs typeface="Times New Roman" pitchFamily="18" charset="0"/>
-              </a:rPr>
-              <a:t>și player, a fost adăugat o componentă Animator cu diferite stări, parametri și triggeri.</a:t>
-            </a:r>
-          </a:p>
-          <a:p>
-            <a:r>
-              <a:rPr lang="ro-RO" dirty="0" smtClean="0">
-                <a:latin typeface="Times New Roman" pitchFamily="18" charset="0"/>
-                <a:cs typeface="Times New Roman" pitchFamily="18" charset="0"/>
-              </a:rPr>
-              <a:t>Inamicul se poate afla în două stări</a:t>
-            </a:r>
-            <a:r>
-              <a:rPr lang="en-US" dirty="0" smtClean="0">
-                <a:latin typeface="Times New Roman" pitchFamily="18" charset="0"/>
-                <a:cs typeface="Times New Roman" pitchFamily="18" charset="0"/>
-              </a:rPr>
-              <a:t>:</a:t>
-            </a:r>
-            <a:r>
-              <a:rPr lang="ro-RO" dirty="0" smtClean="0">
-                <a:latin typeface="Times New Roman" pitchFamily="18" charset="0"/>
-                <a:cs typeface="Times New Roman" pitchFamily="18" charset="0"/>
-              </a:rPr>
-              <a:t> patrulare și urmărire. La detectarea jucătorului inamicul trece din straea de patrulare în starea de urmărire și invers atunci când inamicul nu detectează jucătorul.</a:t>
-            </a:r>
-          </a:p>
-          <a:p>
-            <a:r>
-              <a:rPr lang="vi-VN" dirty="0">
-                <a:latin typeface="Times New Roman" pitchFamily="18" charset="0"/>
-                <a:cs typeface="Times New Roman" pitchFamily="18" charset="0"/>
-              </a:rPr>
-              <a:t>Pe lângă comportamentul de patrulare, inamicul verifică prin intermediul unui BoxCast filtrat pe layer-ul jucătorului dacă acesta se află în aria sa vizuală. Odată detectat jucătorul, inamicul părăsește comportamentul de patrulare și intră în comportamentul de urmărire. După ce jucătorul părăsește raza vizuală a inamicului, acesta îl va urmări pentru câteva secunde înainte de a se întoarce la comportamentul de patrulare.</a:t>
-            </a:r>
-          </a:p>
-          <a:p>
-            <a:r>
-              <a:rPr lang="vi-VN" dirty="0">
-                <a:latin typeface="Times New Roman" pitchFamily="18" charset="0"/>
-                <a:cs typeface="Times New Roman" pitchFamily="18" charset="0"/>
-              </a:rPr>
-              <a:t>Pentru a evita detectarea jucătorului prin pereți, se realizează un RayCast în direcția jucătorului pentru a verifica dacă există pereți între inamic și jucător. În timp ce inamicul urmărește jucătorul, se folosește un CircleCast pentru a verifica dacă acesta se află în raza de atac. Dacă jucătorul este detectat în această rază, inamicul inițiază animația de atac și încearcă să rănească jucătorul</a:t>
-            </a:r>
-            <a:r>
-              <a:rPr lang="vi-VN" dirty="0" smtClean="0">
-                <a:latin typeface="Times New Roman" pitchFamily="18" charset="0"/>
-                <a:cs typeface="Times New Roman" pitchFamily="18" charset="0"/>
-              </a:rPr>
-              <a:t>.</a:t>
-            </a:r>
-            <a:endParaRPr lang="ro-RO" dirty="0" smtClean="0">
-              <a:latin typeface="Times New Roman" pitchFamily="18" charset="0"/>
-              <a:cs typeface="Times New Roman" pitchFamily="18" charset="0"/>
-            </a:endParaRPr>
-          </a:p>
-          <a:p>
-            <a:r>
-              <a:rPr lang="ro-RO" dirty="0" smtClean="0">
-                <a:latin typeface="Times New Roman" pitchFamily="18" charset="0"/>
-                <a:cs typeface="Times New Roman" pitchFamily="18" charset="0"/>
-              </a:rPr>
-              <a:t>Inamicul foloseste un circle cast pentru detectarea pamantului în fața lui în scopul de a verifica dacă acesta poate avansa.</a:t>
-            </a:r>
-            <a:endParaRPr lang="vi-VN" dirty="0">
-              <a:latin typeface="Times New Roman" pitchFamily="18" charset="0"/>
-              <a:cs typeface="Times New Roman" pitchFamily="18" charset="0"/>
-            </a:endParaRPr>
-          </a:p>
-        </p:txBody>
-      </p:sp>
-    </p:spTree>
-    <p:extLst>
-      <p:ext uri="{BB962C8B-B14F-4D97-AF65-F5344CB8AC3E}">
-        <p14:creationId xmlns:p14="http://schemas.microsoft.com/office/powerpoint/2010/main" val="3004101315"/>
       </p:ext>
     </p:extLst>
   </p:cSld>

--- a/Prezentare Licenta.pptx
+++ b/Prezentare Licenta.pptx
@@ -14,25 +14,15 @@
     <p:sldId id="260" r:id="rId8"/>
     <p:sldId id="261" r:id="rId9"/>
     <p:sldId id="263" r:id="rId10"/>
-    <p:sldId id="268" r:id="rId11"/>
-    <p:sldId id="262" r:id="rId12"/>
-    <p:sldId id="264" r:id="rId13"/>
-    <p:sldId id="265" r:id="rId14"/>
-    <p:sldId id="269" r:id="rId15"/>
-    <p:sldId id="266" r:id="rId16"/>
-    <p:sldId id="267" r:id="rId17"/>
-    <p:sldId id="270" r:id="rId18"/>
-    <p:sldId id="271" r:id="rId19"/>
-    <p:sldId id="272" r:id="rId20"/>
-    <p:sldId id="273" r:id="rId21"/>
-    <p:sldId id="274" r:id="rId22"/>
-    <p:sldId id="275" r:id="rId23"/>
-    <p:sldId id="276" r:id="rId24"/>
-    <p:sldId id="277" r:id="rId25"/>
-    <p:sldId id="278" r:id="rId26"/>
-    <p:sldId id="279" r:id="rId27"/>
-    <p:sldId id="280" r:id="rId28"/>
-    <p:sldId id="281" r:id="rId29"/>
+    <p:sldId id="264" r:id="rId11"/>
+    <p:sldId id="265" r:id="rId12"/>
+    <p:sldId id="267" r:id="rId13"/>
+    <p:sldId id="272" r:id="rId14"/>
+    <p:sldId id="274" r:id="rId15"/>
+    <p:sldId id="275" r:id="rId16"/>
+    <p:sldId id="279" r:id="rId17"/>
+    <p:sldId id="280" r:id="rId18"/>
+    <p:sldId id="281" r:id="rId19"/>
   </p:sldIdLst>
   <p:sldSz cx="9144000" cy="6858000" type="screen4x3"/>
   <p:notesSz cx="6858000" cy="9144000"/>
@@ -329,7 +319,7 @@
             <a:fld id="{1D8BD707-D9CF-40AE-B4C6-C98DA3205C09}" type="datetimeFigureOut">
               <a:rPr lang="en-US" smtClean="0"/>
               <a:pPr/>
-              <a:t>6/30/2023</a:t>
+              <a:t>7/1/2023</a:t>
             </a:fld>
             <a:endParaRPr lang="en-US"/>
           </a:p>
@@ -684,7 +674,7 @@
             <a:fld id="{1D8BD707-D9CF-40AE-B4C6-C98DA3205C09}" type="datetimeFigureOut">
               <a:rPr lang="en-US" smtClean="0"/>
               <a:pPr/>
-              <a:t>6/30/2023</a:t>
+              <a:t>7/1/2023</a:t>
             </a:fld>
             <a:endParaRPr lang="en-US"/>
           </a:p>
@@ -861,7 +851,7 @@
             <a:fld id="{1D8BD707-D9CF-40AE-B4C6-C98DA3205C09}" type="datetimeFigureOut">
               <a:rPr lang="en-US" smtClean="0"/>
               <a:pPr/>
-              <a:t>6/30/2023</a:t>
+              <a:t>7/1/2023</a:t>
             </a:fld>
             <a:endParaRPr lang="en-US"/>
           </a:p>
@@ -976,7 +966,7 @@
             <a:fld id="{1D8BD707-D9CF-40AE-B4C6-C98DA3205C09}" type="datetimeFigureOut">
               <a:rPr lang="en-US" smtClean="0"/>
               <a:pPr/>
-              <a:t>6/30/2023</a:t>
+              <a:t>7/1/2023</a:t>
             </a:fld>
             <a:endParaRPr lang="en-US"/>
           </a:p>
@@ -1336,7 +1326,7 @@
             <a:fld id="{1D8BD707-D9CF-40AE-B4C6-C98DA3205C09}" type="datetimeFigureOut">
               <a:rPr lang="en-US" smtClean="0"/>
               <a:pPr/>
-              <a:t>6/30/2023</a:t>
+              <a:t>7/1/2023</a:t>
             </a:fld>
             <a:endParaRPr lang="en-US"/>
           </a:p>
@@ -1603,7 +1593,7 @@
             <a:fld id="{1D8BD707-D9CF-40AE-B4C6-C98DA3205C09}" type="datetimeFigureOut">
               <a:rPr lang="en-US" smtClean="0"/>
               <a:pPr/>
-              <a:t>6/30/2023</a:t>
+              <a:t>7/1/2023</a:t>
             </a:fld>
             <a:endParaRPr lang="en-US"/>
           </a:p>
@@ -1967,7 +1957,7 @@
             <a:fld id="{1D8BD707-D9CF-40AE-B4C6-C98DA3205C09}" type="datetimeFigureOut">
               <a:rPr lang="en-US" smtClean="0"/>
               <a:pPr/>
-              <a:t>6/30/2023</a:t>
+              <a:t>7/1/2023</a:t>
             </a:fld>
             <a:endParaRPr lang="en-US"/>
           </a:p>
@@ -2196,7 +2186,7 @@
             <a:fld id="{1D8BD707-D9CF-40AE-B4C6-C98DA3205C09}" type="datetimeFigureOut">
               <a:rPr lang="en-US" smtClean="0"/>
               <a:pPr/>
-              <a:t>6/30/2023</a:t>
+              <a:t>7/1/2023</a:t>
             </a:fld>
             <a:endParaRPr lang="en-US"/>
           </a:p>
@@ -2288,7 +2278,7 @@
             <a:fld id="{1D8BD707-D9CF-40AE-B4C6-C98DA3205C09}" type="datetimeFigureOut">
               <a:rPr lang="en-US" smtClean="0"/>
               <a:pPr/>
-              <a:t>6/30/2023</a:t>
+              <a:t>7/1/2023</a:t>
             </a:fld>
             <a:endParaRPr lang="en-US"/>
           </a:p>
@@ -2557,7 +2547,7 @@
             <a:fld id="{1D8BD707-D9CF-40AE-B4C6-C98DA3205C09}" type="datetimeFigureOut">
               <a:rPr lang="en-US" smtClean="0"/>
               <a:pPr/>
-              <a:t>6/30/2023</a:t>
+              <a:t>7/1/2023</a:t>
             </a:fld>
             <a:endParaRPr lang="en-US"/>
           </a:p>
@@ -2787,7 +2777,7 @@
             <a:fld id="{1D8BD707-D9CF-40AE-B4C6-C98DA3205C09}" type="datetimeFigureOut">
               <a:rPr lang="en-US" smtClean="0"/>
               <a:pPr/>
-              <a:t>6/30/2023</a:t>
+              <a:t>7/1/2023</a:t>
             </a:fld>
             <a:endParaRPr lang="en-US"/>
           </a:p>
@@ -3288,7 +3278,7 @@
             <a:fld id="{1D8BD707-D9CF-40AE-B4C6-C98DA3205C09}" type="datetimeFigureOut">
               <a:rPr lang="en-US" smtClean="0"/>
               <a:pPr/>
-              <a:t>6/30/2023</a:t>
+              <a:t>7/1/2023</a:t>
             </a:fld>
             <a:endParaRPr lang="en-US"/>
           </a:p>
@@ -3709,22 +3699,37 @@
           <a:lstStyle/>
           <a:p>
             <a:r>
-              <a:rPr lang="en-US" dirty="0" err="1" smtClean="0"/>
+              <a:rPr lang="en-US" dirty="0" err="1" smtClean="0">
+                <a:latin typeface="Times New Roman" pitchFamily="18" charset="0"/>
+                <a:cs typeface="Times New Roman" pitchFamily="18" charset="0"/>
+              </a:rPr>
               <a:t>Lucrare</a:t>
             </a:r>
             <a:r>
-              <a:rPr lang="en-US" dirty="0" smtClean="0"/>
+              <a:rPr lang="en-US" dirty="0" smtClean="0">
+                <a:latin typeface="Times New Roman" pitchFamily="18" charset="0"/>
+                <a:cs typeface="Times New Roman" pitchFamily="18" charset="0"/>
+              </a:rPr>
               <a:t> </a:t>
             </a:r>
             <a:r>
-              <a:rPr lang="en-US" dirty="0" err="1" smtClean="0"/>
+              <a:rPr lang="en-US" dirty="0" err="1" smtClean="0">
+                <a:latin typeface="Times New Roman" pitchFamily="18" charset="0"/>
+                <a:cs typeface="Times New Roman" pitchFamily="18" charset="0"/>
+              </a:rPr>
               <a:t>realizat</a:t>
             </a:r>
             <a:r>
-              <a:rPr lang="ro-RO" dirty="0" smtClean="0"/>
+              <a:rPr lang="ro-RO" dirty="0" smtClean="0">
+                <a:latin typeface="Times New Roman" pitchFamily="18" charset="0"/>
+                <a:cs typeface="Times New Roman" pitchFamily="18" charset="0"/>
+              </a:rPr>
               <a:t>ă de Lazăr Mihai</a:t>
             </a:r>
-            <a:endParaRPr lang="en-US" dirty="0"/>
+            <a:endParaRPr lang="en-US" dirty="0">
+              <a:latin typeface="Times New Roman" pitchFamily="18" charset="0"/>
+              <a:cs typeface="Times New Roman" pitchFamily="18" charset="0"/>
+            </a:endParaRPr>
           </a:p>
         </p:txBody>
       </p:sp>
@@ -3781,68 +3786,6 @@
           <a:chExt cx="0" cy="0"/>
         </a:xfrm>
       </p:grpSpPr>
-      <p:pic>
-        <p:nvPicPr>
-          <p:cNvPr id="4" name="Content Placeholder 3"/>
-          <p:cNvPicPr>
-            <a:picLocks noGrp="1"/>
-          </p:cNvPicPr>
-          <p:nvPr>
-            <p:ph sz="quarter" idx="1"/>
-          </p:nvPr>
-        </p:nvPicPr>
-        <p:blipFill>
-          <a:blip r:embed="rId2" cstate="print">
-            <a:extLst>
-              <a:ext uri="{28A0092B-C50C-407E-A947-70E740481C1C}">
-                <a14:useLocalDpi xmlns:a14="http://schemas.microsoft.com/office/drawing/2010/main" val="0"/>
-              </a:ext>
-            </a:extLst>
-          </a:blip>
-          <a:stretch>
-            <a:fillRect/>
-          </a:stretch>
-        </p:blipFill>
-        <p:spPr>
-          <a:xfrm>
-            <a:off x="533400" y="1447800"/>
-            <a:ext cx="8228306" cy="3847453"/>
-          </a:xfrm>
-          <a:prstGeom prst="rect">
-            <a:avLst/>
-          </a:prstGeom>
-        </p:spPr>
-      </p:pic>
-    </p:spTree>
-    <p:extLst>
-      <p:ext uri="{BB962C8B-B14F-4D97-AF65-F5344CB8AC3E}">
-        <p14:creationId xmlns:p14="http://schemas.microsoft.com/office/powerpoint/2010/main" val="1150793466"/>
-      </p:ext>
-    </p:extLst>
-  </p:cSld>
-  <p:clrMapOvr>
-    <a:masterClrMapping/>
-  </p:clrMapOvr>
-</p:sld>
-</file>
-
-<file path=ppt/slides/slide11.xml><?xml version="1.0" encoding="utf-8"?>
-<p:sld xmlns:a="http://schemas.openxmlformats.org/drawingml/2006/main" xmlns:r="http://schemas.openxmlformats.org/officeDocument/2006/relationships" xmlns:p="http://schemas.openxmlformats.org/presentationml/2006/main">
-  <p:cSld>
-    <p:spTree>
-      <p:nvGrpSpPr>
-        <p:cNvPr id="1" name=""/>
-        <p:cNvGrpSpPr/>
-        <p:nvPr/>
-      </p:nvGrpSpPr>
-      <p:grpSpPr>
-        <a:xfrm>
-          <a:off x="0" y="0"/>
-          <a:ext cx="0" cy="0"/>
-          <a:chOff x="0" y="0"/>
-          <a:chExt cx="0" cy="0"/>
-        </a:xfrm>
-      </p:grpSpPr>
       <p:sp>
         <p:nvSpPr>
           <p:cNvPr id="2" name="Title 1"/>
@@ -3870,163 +3813,6 @@
           </a:p>
         </p:txBody>
       </p:sp>
-      <p:sp>
-        <p:nvSpPr>
-          <p:cNvPr id="3" name="Content Placeholder 2"/>
-          <p:cNvSpPr>
-            <a:spLocks noGrp="1"/>
-          </p:cNvSpPr>
-          <p:nvPr>
-            <p:ph sz="quarter" idx="1"/>
-          </p:nvPr>
-        </p:nvSpPr>
-        <p:spPr/>
-        <p:txBody>
-          <a:bodyPr>
-            <a:normAutofit fontScale="70000" lnSpcReduction="20000"/>
-          </a:bodyPr>
-          <a:lstStyle/>
-          <a:p>
-            <a:r>
-              <a:rPr lang="en-US" dirty="0" smtClean="0">
-                <a:latin typeface="Times New Roman" pitchFamily="18" charset="0"/>
-                <a:cs typeface="Times New Roman" pitchFamily="18" charset="0"/>
-              </a:rPr>
-              <a:t>La </a:t>
-            </a:r>
-            <a:r>
-              <a:rPr lang="en-US" dirty="0" err="1" smtClean="0">
-                <a:latin typeface="Times New Roman" pitchFamily="18" charset="0"/>
-                <a:cs typeface="Times New Roman" pitchFamily="18" charset="0"/>
-              </a:rPr>
-              <a:t>fel</a:t>
-            </a:r>
-            <a:r>
-              <a:rPr lang="en-US" dirty="0" smtClean="0">
-                <a:latin typeface="Times New Roman" pitchFamily="18" charset="0"/>
-                <a:cs typeface="Times New Roman" pitchFamily="18" charset="0"/>
-              </a:rPr>
-              <a:t> </a:t>
-            </a:r>
-            <a:r>
-              <a:rPr lang="en-US" dirty="0" err="1" smtClean="0">
-                <a:latin typeface="Times New Roman" pitchFamily="18" charset="0"/>
-                <a:cs typeface="Times New Roman" pitchFamily="18" charset="0"/>
-              </a:rPr>
-              <a:t>ca</a:t>
-            </a:r>
-            <a:r>
-              <a:rPr lang="en-US" dirty="0" smtClean="0">
-                <a:latin typeface="Times New Roman" pitchFamily="18" charset="0"/>
-                <a:cs typeface="Times New Roman" pitchFamily="18" charset="0"/>
-              </a:rPr>
-              <a:t> </a:t>
-            </a:r>
-            <a:r>
-              <a:rPr lang="ro-RO" dirty="0" smtClean="0">
-                <a:latin typeface="Times New Roman" pitchFamily="18" charset="0"/>
-                <a:cs typeface="Times New Roman" pitchFamily="18" charset="0"/>
-              </a:rPr>
-              <a:t>și player, a fost adăugat o componentă Animator cu diferite stări, parametri și triggeri.</a:t>
-            </a:r>
-          </a:p>
-          <a:p>
-            <a:r>
-              <a:rPr lang="ro-RO" dirty="0" smtClean="0">
-                <a:latin typeface="Times New Roman" pitchFamily="18" charset="0"/>
-                <a:cs typeface="Times New Roman" pitchFamily="18" charset="0"/>
-              </a:rPr>
-              <a:t>Inamicul se poate afla în două stări</a:t>
-            </a:r>
-            <a:r>
-              <a:rPr lang="en-US" dirty="0" smtClean="0">
-                <a:latin typeface="Times New Roman" pitchFamily="18" charset="0"/>
-                <a:cs typeface="Times New Roman" pitchFamily="18" charset="0"/>
-              </a:rPr>
-              <a:t>:</a:t>
-            </a:r>
-            <a:r>
-              <a:rPr lang="ro-RO" dirty="0" smtClean="0">
-                <a:latin typeface="Times New Roman" pitchFamily="18" charset="0"/>
-                <a:cs typeface="Times New Roman" pitchFamily="18" charset="0"/>
-              </a:rPr>
-              <a:t> patrulare și urmărire. La detectarea jucătorului inamicul trece din straea de patrulare în starea de urmărire și invers atunci când inamicul nu detectează jucătorul.</a:t>
-            </a:r>
-          </a:p>
-          <a:p>
-            <a:r>
-              <a:rPr lang="vi-VN" dirty="0">
-                <a:latin typeface="Times New Roman" pitchFamily="18" charset="0"/>
-                <a:cs typeface="Times New Roman" pitchFamily="18" charset="0"/>
-              </a:rPr>
-              <a:t>Pe lângă comportamentul de patrulare, inamicul verifică prin intermediul unui BoxCast filtrat pe layer-ul jucătorului dacă acesta se află în aria sa vizuală. Odată detectat jucătorul, inamicul părăsește comportamentul de patrulare și intră în comportamentul de urmărire. După ce jucătorul părăsește raza vizuală a inamicului, acesta îl va urmări pentru câteva secunde înainte de a se întoarce la comportamentul de patrulare.</a:t>
-            </a:r>
-          </a:p>
-          <a:p>
-            <a:r>
-              <a:rPr lang="vi-VN" dirty="0">
-                <a:latin typeface="Times New Roman" pitchFamily="18" charset="0"/>
-                <a:cs typeface="Times New Roman" pitchFamily="18" charset="0"/>
-              </a:rPr>
-              <a:t>Pentru a evita detectarea jucătorului prin pereți, se realizează un RayCast în direcția jucătorului pentru a verifica dacă există pereți între inamic și jucător. În timp ce inamicul urmărește jucătorul, se folosește un CircleCast pentru a verifica dacă acesta se află în raza de atac. Dacă jucătorul este detectat în această rază, inamicul inițiază animația de atac și încearcă să rănească jucătorul</a:t>
-            </a:r>
-            <a:r>
-              <a:rPr lang="vi-VN" dirty="0" smtClean="0">
-                <a:latin typeface="Times New Roman" pitchFamily="18" charset="0"/>
-                <a:cs typeface="Times New Roman" pitchFamily="18" charset="0"/>
-              </a:rPr>
-              <a:t>.</a:t>
-            </a:r>
-            <a:endParaRPr lang="ro-RO" dirty="0" smtClean="0">
-              <a:latin typeface="Times New Roman" pitchFamily="18" charset="0"/>
-              <a:cs typeface="Times New Roman" pitchFamily="18" charset="0"/>
-            </a:endParaRPr>
-          </a:p>
-          <a:p>
-            <a:r>
-              <a:rPr lang="ro-RO" dirty="0" smtClean="0">
-                <a:latin typeface="Times New Roman" pitchFamily="18" charset="0"/>
-                <a:cs typeface="Times New Roman" pitchFamily="18" charset="0"/>
-              </a:rPr>
-              <a:t>Inamicul foloseste un circle cast pentru detectarea pamantului în fața lui în scopul de a verifica dacă acesta poate avansa.</a:t>
-            </a:r>
-            <a:endParaRPr lang="vi-VN" dirty="0">
-              <a:latin typeface="Times New Roman" pitchFamily="18" charset="0"/>
-              <a:cs typeface="Times New Roman" pitchFamily="18" charset="0"/>
-            </a:endParaRPr>
-          </a:p>
-        </p:txBody>
-      </p:sp>
-    </p:spTree>
-    <p:extLst>
-      <p:ext uri="{BB962C8B-B14F-4D97-AF65-F5344CB8AC3E}">
-        <p14:creationId xmlns:p14="http://schemas.microsoft.com/office/powerpoint/2010/main" val="3004101315"/>
-      </p:ext>
-    </p:extLst>
-  </p:cSld>
-  <p:clrMapOvr>
-    <a:masterClrMapping/>
-  </p:clrMapOvr>
-</p:sld>
-</file>
-
-<file path=ppt/slides/slide12.xml><?xml version="1.0" encoding="utf-8"?>
-<p:sld xmlns:a="http://schemas.openxmlformats.org/drawingml/2006/main" xmlns:r="http://schemas.openxmlformats.org/officeDocument/2006/relationships" xmlns:p="http://schemas.openxmlformats.org/presentationml/2006/main">
-  <p:cSld>
-    <p:spTree>
-      <p:nvGrpSpPr>
-        <p:cNvPr id="1" name=""/>
-        <p:cNvGrpSpPr/>
-        <p:nvPr/>
-      </p:nvGrpSpPr>
-      <p:grpSpPr>
-        <a:xfrm>
-          <a:off x="0" y="0"/>
-          <a:ext cx="0" cy="0"/>
-          <a:chOff x="0" y="0"/>
-          <a:chExt cx="0" cy="0"/>
-        </a:xfrm>
-      </p:grpSpPr>
       <p:pic>
         <p:nvPicPr>
           <p:cNvPr id="4" name="Content Placeholder 3"/>
@@ -4051,8 +3837,8 @@
         </p:blipFill>
         <p:spPr>
           <a:xfrm>
-            <a:off x="1219200" y="1371600"/>
-            <a:ext cx="7010400" cy="3787243"/>
+            <a:off x="1066800" y="1524000"/>
+            <a:ext cx="6957254" cy="4168243"/>
           </a:xfrm>
           <a:prstGeom prst="rect">
             <a:avLst/>
@@ -4072,7 +3858,7 @@
 </p:sld>
 </file>
 
-<file path=ppt/slides/slide13.xml><?xml version="1.0" encoding="utf-8"?>
+<file path=ppt/slides/slide11.xml><?xml version="1.0" encoding="utf-8"?>
 <p:sld xmlns:a="http://schemas.openxmlformats.org/drawingml/2006/main" xmlns:r="http://schemas.openxmlformats.org/officeDocument/2006/relationships" xmlns:p="http://schemas.openxmlformats.org/presentationml/2006/main">
   <p:cSld>
     <p:spTree>
@@ -4134,7 +3920,7 @@
 </p:sld>
 </file>
 
-<file path=ppt/slides/slide14.xml><?xml version="1.0" encoding="utf-8"?>
+<file path=ppt/slides/slide12.xml><?xml version="1.0" encoding="utf-8"?>
 <p:sld xmlns:a="http://schemas.openxmlformats.org/drawingml/2006/main" xmlns:r="http://schemas.openxmlformats.org/officeDocument/2006/relationships" xmlns:p="http://schemas.openxmlformats.org/presentationml/2006/main">
   <p:cSld>
     <p:spTree>
@@ -4151,6 +3937,29 @@
           <a:chExt cx="0" cy="0"/>
         </a:xfrm>
       </p:grpSpPr>
+      <p:sp>
+        <p:nvSpPr>
+          <p:cNvPr id="2" name="Title 1"/>
+          <p:cNvSpPr>
+            <a:spLocks noGrp="1"/>
+          </p:cNvSpPr>
+          <p:nvPr>
+            <p:ph type="title"/>
+          </p:nvPr>
+        </p:nvSpPr>
+        <p:spPr/>
+        <p:txBody>
+          <a:bodyPr/>
+          <a:lstStyle/>
+          <a:p>
+            <a:r>
+              <a:rPr lang="ro-RO" dirty="0"/>
+              <a:t>Inamici zburători</a:t>
+            </a:r>
+            <a:endParaRPr lang="en-US" dirty="0"/>
+          </a:p>
+        </p:txBody>
+      </p:sp>
       <p:pic>
         <p:nvPicPr>
           <p:cNvPr id="4" name="Content Placeholder 3"/>
@@ -4175,326 +3984,8 @@
         </p:blipFill>
         <p:spPr>
           <a:xfrm>
-            <a:off x="762000" y="1295400"/>
-            <a:ext cx="7925388" cy="4008401"/>
-          </a:xfrm>
-          <a:prstGeom prst="rect">
-            <a:avLst/>
-          </a:prstGeom>
-        </p:spPr>
-      </p:pic>
-    </p:spTree>
-    <p:extLst>
-      <p:ext uri="{BB962C8B-B14F-4D97-AF65-F5344CB8AC3E}">
-        <p14:creationId xmlns:p14="http://schemas.microsoft.com/office/powerpoint/2010/main" val="295282754"/>
-      </p:ext>
-    </p:extLst>
-  </p:cSld>
-  <p:clrMapOvr>
-    <a:masterClrMapping/>
-  </p:clrMapOvr>
-</p:sld>
-</file>
-
-<file path=ppt/slides/slide15.xml><?xml version="1.0" encoding="utf-8"?>
-<p:sld xmlns:a="http://schemas.openxmlformats.org/drawingml/2006/main" xmlns:r="http://schemas.openxmlformats.org/officeDocument/2006/relationships" xmlns:p="http://schemas.openxmlformats.org/presentationml/2006/main">
-  <p:cSld>
-    <p:spTree>
-      <p:nvGrpSpPr>
-        <p:cNvPr id="1" name=""/>
-        <p:cNvGrpSpPr/>
-        <p:nvPr/>
-      </p:nvGrpSpPr>
-      <p:grpSpPr>
-        <a:xfrm>
-          <a:off x="0" y="0"/>
-          <a:ext cx="0" cy="0"/>
-          <a:chOff x="0" y="0"/>
-          <a:chExt cx="0" cy="0"/>
-        </a:xfrm>
-      </p:grpSpPr>
-      <p:sp>
-        <p:nvSpPr>
-          <p:cNvPr id="2" name="Title 1"/>
-          <p:cNvSpPr>
-            <a:spLocks noGrp="1"/>
-          </p:cNvSpPr>
-          <p:nvPr>
-            <p:ph type="title"/>
-          </p:nvPr>
-        </p:nvSpPr>
-        <p:spPr/>
-        <p:txBody>
-          <a:bodyPr/>
-          <a:lstStyle/>
-          <a:p>
-            <a:r>
-              <a:rPr lang="ro-RO" dirty="0" smtClean="0"/>
-              <a:t>Inamici zburători</a:t>
-            </a:r>
-            <a:endParaRPr lang="en-US" dirty="0"/>
-          </a:p>
-        </p:txBody>
-      </p:sp>
-      <p:sp>
-        <p:nvSpPr>
-          <p:cNvPr id="3" name="Content Placeholder 2"/>
-          <p:cNvSpPr>
-            <a:spLocks noGrp="1"/>
-          </p:cNvSpPr>
-          <p:nvPr>
-            <p:ph sz="quarter" idx="1"/>
-          </p:nvPr>
-        </p:nvSpPr>
-        <p:spPr/>
-        <p:txBody>
-          <a:bodyPr>
-            <a:normAutofit fontScale="85000" lnSpcReduction="10000"/>
-          </a:bodyPr>
-          <a:lstStyle/>
-          <a:p>
-            <a:r>
-              <a:rPr lang="ro-RO" dirty="0" smtClean="0">
-                <a:latin typeface="Times New Roman" pitchFamily="18" charset="0"/>
-                <a:cs typeface="Times New Roman" pitchFamily="18" charset="0"/>
-              </a:rPr>
-              <a:t>La fel ca la jucător și inamici melee, inamici zburători au o componentă animator.</a:t>
-            </a:r>
-          </a:p>
-          <a:p>
-            <a:r>
-              <a:rPr lang="ro-RO" dirty="0" smtClean="0">
-                <a:latin typeface="Times New Roman" pitchFamily="18" charset="0"/>
-                <a:cs typeface="Times New Roman" pitchFamily="18" charset="0"/>
-              </a:rPr>
-              <a:t>Inamicul se poate afla în stările idle și flying.</a:t>
-            </a:r>
-          </a:p>
-          <a:p>
-            <a:r>
-              <a:rPr lang="vi-VN" dirty="0"/>
-              <a:t>Inamicul verifică prin intermediul unui CircleCast filtrat pe layer-ul jucătorului dacă acesta se află în aria sa vizuală. Pentru a evita detectarea jucătorului prin pereți, se realizează un RayCast în direcția jucătorului. Dacă jucătorul este detectat și nu există obstacole între inamic și jucător, inamicul părăsește starea de idle și intră în starea de urmărire a jucătorului</a:t>
-            </a:r>
-            <a:r>
-              <a:rPr lang="vi-VN" dirty="0" smtClean="0"/>
-              <a:t>.</a:t>
-            </a:r>
-            <a:endParaRPr lang="ro-RO" dirty="0" smtClean="0"/>
-          </a:p>
-          <a:p>
-            <a:r>
-              <a:rPr lang="en-US" dirty="0" err="1">
-                <a:latin typeface="Times New Roman" pitchFamily="18" charset="0"/>
-                <a:cs typeface="Times New Roman" pitchFamily="18" charset="0"/>
-              </a:rPr>
-              <a:t>Pentru</a:t>
-            </a:r>
-            <a:r>
-              <a:rPr lang="en-US" dirty="0">
-                <a:latin typeface="Times New Roman" pitchFamily="18" charset="0"/>
-                <a:cs typeface="Times New Roman" pitchFamily="18" charset="0"/>
-              </a:rPr>
-              <a:t> a </a:t>
-            </a:r>
-            <a:r>
-              <a:rPr lang="en-US" dirty="0" err="1">
-                <a:latin typeface="Times New Roman" pitchFamily="18" charset="0"/>
-                <a:cs typeface="Times New Roman" pitchFamily="18" charset="0"/>
-              </a:rPr>
-              <a:t>implementa</a:t>
-            </a:r>
-            <a:r>
-              <a:rPr lang="en-US" dirty="0">
-                <a:latin typeface="Times New Roman" pitchFamily="18" charset="0"/>
-                <a:cs typeface="Times New Roman" pitchFamily="18" charset="0"/>
-              </a:rPr>
-              <a:t> </a:t>
-            </a:r>
-            <a:r>
-              <a:rPr lang="en-US" dirty="0" err="1">
-                <a:latin typeface="Times New Roman" pitchFamily="18" charset="0"/>
-                <a:cs typeface="Times New Roman" pitchFamily="18" charset="0"/>
-              </a:rPr>
-              <a:t>algoritmul</a:t>
-            </a:r>
-            <a:r>
-              <a:rPr lang="en-US" dirty="0">
-                <a:latin typeface="Times New Roman" pitchFamily="18" charset="0"/>
-                <a:cs typeface="Times New Roman" pitchFamily="18" charset="0"/>
-              </a:rPr>
-              <a:t> de </a:t>
-            </a:r>
-            <a:r>
-              <a:rPr lang="en-US" dirty="0" err="1">
-                <a:latin typeface="Times New Roman" pitchFamily="18" charset="0"/>
-                <a:cs typeface="Times New Roman" pitchFamily="18" charset="0"/>
-              </a:rPr>
-              <a:t>pathfinding</a:t>
-            </a:r>
-            <a:r>
-              <a:rPr lang="en-US" dirty="0">
-                <a:latin typeface="Times New Roman" pitchFamily="18" charset="0"/>
-                <a:cs typeface="Times New Roman" pitchFamily="18" charset="0"/>
-              </a:rPr>
-              <a:t>, s-a </a:t>
-            </a:r>
-            <a:r>
-              <a:rPr lang="en-US" dirty="0" err="1">
-                <a:latin typeface="Times New Roman" pitchFamily="18" charset="0"/>
-                <a:cs typeface="Times New Roman" pitchFamily="18" charset="0"/>
-              </a:rPr>
-              <a:t>importat</a:t>
-            </a:r>
-            <a:r>
-              <a:rPr lang="en-US" dirty="0">
-                <a:latin typeface="Times New Roman" pitchFamily="18" charset="0"/>
-                <a:cs typeface="Times New Roman" pitchFamily="18" charset="0"/>
-              </a:rPr>
-              <a:t> </a:t>
-            </a:r>
-            <a:r>
-              <a:rPr lang="en-US" dirty="0" err="1">
-                <a:latin typeface="Times New Roman" pitchFamily="18" charset="0"/>
-                <a:cs typeface="Times New Roman" pitchFamily="18" charset="0"/>
-              </a:rPr>
-              <a:t>pachetul</a:t>
-            </a:r>
-            <a:r>
-              <a:rPr lang="en-US" dirty="0">
-                <a:latin typeface="Times New Roman" pitchFamily="18" charset="0"/>
-                <a:cs typeface="Times New Roman" pitchFamily="18" charset="0"/>
-              </a:rPr>
-              <a:t> A* </a:t>
-            </a:r>
-            <a:r>
-              <a:rPr lang="en-US" dirty="0" err="1">
-                <a:latin typeface="Times New Roman" pitchFamily="18" charset="0"/>
-                <a:cs typeface="Times New Roman" pitchFamily="18" charset="0"/>
-              </a:rPr>
-              <a:t>Pathfinding</a:t>
-            </a:r>
-            <a:r>
-              <a:rPr lang="en-US" dirty="0">
-                <a:latin typeface="Times New Roman" pitchFamily="18" charset="0"/>
-                <a:cs typeface="Times New Roman" pitchFamily="18" charset="0"/>
-              </a:rPr>
-              <a:t>, </a:t>
-            </a:r>
-            <a:r>
-              <a:rPr lang="en-US" dirty="0" err="1">
-                <a:latin typeface="Times New Roman" pitchFamily="18" charset="0"/>
-                <a:cs typeface="Times New Roman" pitchFamily="18" charset="0"/>
-              </a:rPr>
-              <a:t>dezvoltat</a:t>
-            </a:r>
-            <a:r>
-              <a:rPr lang="en-US" dirty="0">
-                <a:latin typeface="Times New Roman" pitchFamily="18" charset="0"/>
-                <a:cs typeface="Times New Roman" pitchFamily="18" charset="0"/>
-              </a:rPr>
-              <a:t> de </a:t>
-            </a:r>
-            <a:r>
-              <a:rPr lang="en-US" dirty="0" err="1">
-                <a:latin typeface="Times New Roman" pitchFamily="18" charset="0"/>
-                <a:cs typeface="Times New Roman" pitchFamily="18" charset="0"/>
-              </a:rPr>
-              <a:t>Aron</a:t>
-            </a:r>
-            <a:r>
-              <a:rPr lang="en-US" dirty="0">
-                <a:latin typeface="Times New Roman" pitchFamily="18" charset="0"/>
-                <a:cs typeface="Times New Roman" pitchFamily="18" charset="0"/>
-              </a:rPr>
-              <a:t> </a:t>
-            </a:r>
-            <a:r>
-              <a:rPr lang="en-US" dirty="0" err="1">
-                <a:latin typeface="Times New Roman" pitchFamily="18" charset="0"/>
-                <a:cs typeface="Times New Roman" pitchFamily="18" charset="0"/>
-              </a:rPr>
-              <a:t>Granberg</a:t>
-            </a:r>
-            <a:r>
-              <a:rPr lang="en-US" dirty="0" smtClean="0">
-                <a:latin typeface="Times New Roman" pitchFamily="18" charset="0"/>
-                <a:cs typeface="Times New Roman" pitchFamily="18" charset="0"/>
-              </a:rPr>
-              <a:t>.</a:t>
-            </a:r>
-            <a:endParaRPr lang="ro-RO" dirty="0" smtClean="0">
-              <a:latin typeface="Times New Roman" pitchFamily="18" charset="0"/>
-              <a:cs typeface="Times New Roman" pitchFamily="18" charset="0"/>
-            </a:endParaRPr>
-          </a:p>
-          <a:p>
-            <a:r>
-              <a:rPr lang="vi-VN" dirty="0"/>
-              <a:t>Inamicul atacă jucătorul prin contact fizic. Dacă jucătorul este lovit, i se aplică forțe de knockback</a:t>
-            </a:r>
-            <a:endParaRPr lang="en-US" dirty="0">
-              <a:latin typeface="Times New Roman" pitchFamily="18" charset="0"/>
-              <a:cs typeface="Times New Roman" pitchFamily="18" charset="0"/>
-            </a:endParaRPr>
-          </a:p>
-        </p:txBody>
-      </p:sp>
-    </p:spTree>
-    <p:extLst>
-      <p:ext uri="{BB962C8B-B14F-4D97-AF65-F5344CB8AC3E}">
-        <p14:creationId xmlns:p14="http://schemas.microsoft.com/office/powerpoint/2010/main" val="1803275719"/>
-      </p:ext>
-    </p:extLst>
-  </p:cSld>
-  <p:clrMapOvr>
-    <a:masterClrMapping/>
-  </p:clrMapOvr>
-</p:sld>
-</file>
-
-<file path=ppt/slides/slide16.xml><?xml version="1.0" encoding="utf-8"?>
-<p:sld xmlns:a="http://schemas.openxmlformats.org/drawingml/2006/main" xmlns:r="http://schemas.openxmlformats.org/officeDocument/2006/relationships" xmlns:p="http://schemas.openxmlformats.org/presentationml/2006/main">
-  <p:cSld>
-    <p:spTree>
-      <p:nvGrpSpPr>
-        <p:cNvPr id="1" name=""/>
-        <p:cNvGrpSpPr/>
-        <p:nvPr/>
-      </p:nvGrpSpPr>
-      <p:grpSpPr>
-        <a:xfrm>
-          <a:off x="0" y="0"/>
-          <a:ext cx="0" cy="0"/>
-          <a:chOff x="0" y="0"/>
-          <a:chExt cx="0" cy="0"/>
-        </a:xfrm>
-      </p:grpSpPr>
-      <p:pic>
-        <p:nvPicPr>
-          <p:cNvPr id="4" name="Content Placeholder 3"/>
-          <p:cNvPicPr>
-            <a:picLocks noGrp="1"/>
-          </p:cNvPicPr>
-          <p:nvPr>
-            <p:ph sz="quarter" idx="1"/>
-          </p:nvPr>
-        </p:nvPicPr>
-        <p:blipFill>
-          <a:blip r:embed="rId2">
-            <a:extLst>
-              <a:ext uri="{28A0092B-C50C-407E-A947-70E740481C1C}">
-                <a14:useLocalDpi xmlns:a14="http://schemas.microsoft.com/office/drawing/2010/main" val="0"/>
-              </a:ext>
-            </a:extLst>
-          </a:blip>
-          <a:stretch>
-            <a:fillRect/>
-          </a:stretch>
-        </p:blipFill>
-        <p:spPr>
-          <a:xfrm>
-            <a:off x="1676400" y="990600"/>
-            <a:ext cx="5715000" cy="4876958"/>
+            <a:off x="2057400" y="1600200"/>
+            <a:ext cx="5151282" cy="4800758"/>
           </a:xfrm>
           <a:prstGeom prst="rect">
             <a:avLst/>
@@ -4514,7 +4005,7 @@
 </p:sld>
 </file>
 
-<file path=ppt/slides/slide17.xml><?xml version="1.0" encoding="utf-8"?>
+<file path=ppt/slides/slide13.xml><?xml version="1.0" encoding="utf-8"?>
 <p:sld xmlns:a="http://schemas.openxmlformats.org/drawingml/2006/main" xmlns:r="http://schemas.openxmlformats.org/officeDocument/2006/relationships" xmlns:p="http://schemas.openxmlformats.org/presentationml/2006/main">
   <p:cSld>
     <p:spTree>
@@ -4546,7 +4037,11 @@
           <a:bodyPr/>
           <a:lstStyle/>
           <a:p>
-            <a:endParaRPr lang="en-US"/>
+            <a:r>
+              <a:rPr lang="ro-RO" dirty="0"/>
+              <a:t>Inamici ranged</a:t>
+            </a:r>
+            <a:endParaRPr lang="en-US" dirty="0"/>
           </a:p>
         </p:txBody>
       </p:sp>
@@ -4574,261 +4069,7 @@
         </p:blipFill>
         <p:spPr>
           <a:xfrm>
-            <a:off x="762000" y="1447800"/>
-            <a:ext cx="7833623" cy="3863443"/>
-          </a:xfrm>
-          <a:prstGeom prst="rect">
-            <a:avLst/>
-          </a:prstGeom>
-        </p:spPr>
-      </p:pic>
-    </p:spTree>
-    <p:extLst>
-      <p:ext uri="{BB962C8B-B14F-4D97-AF65-F5344CB8AC3E}">
-        <p14:creationId xmlns:p14="http://schemas.microsoft.com/office/powerpoint/2010/main" val="2196254210"/>
-      </p:ext>
-    </p:extLst>
-  </p:cSld>
-  <p:clrMapOvr>
-    <a:masterClrMapping/>
-  </p:clrMapOvr>
-</p:sld>
-</file>
-
-<file path=ppt/slides/slide18.xml><?xml version="1.0" encoding="utf-8"?>
-<p:sld xmlns:a="http://schemas.openxmlformats.org/drawingml/2006/main" xmlns:r="http://schemas.openxmlformats.org/officeDocument/2006/relationships" xmlns:p="http://schemas.openxmlformats.org/presentationml/2006/main">
-  <p:cSld>
-    <p:spTree>
-      <p:nvGrpSpPr>
-        <p:cNvPr id="1" name=""/>
-        <p:cNvGrpSpPr/>
-        <p:nvPr/>
-      </p:nvGrpSpPr>
-      <p:grpSpPr>
-        <a:xfrm>
-          <a:off x="0" y="0"/>
-          <a:ext cx="0" cy="0"/>
-          <a:chOff x="0" y="0"/>
-          <a:chExt cx="0" cy="0"/>
-        </a:xfrm>
-      </p:grpSpPr>
-      <p:sp>
-        <p:nvSpPr>
-          <p:cNvPr id="2" name="Title 1"/>
-          <p:cNvSpPr>
-            <a:spLocks noGrp="1"/>
-          </p:cNvSpPr>
-          <p:nvPr>
-            <p:ph type="title"/>
-          </p:nvPr>
-        </p:nvSpPr>
-        <p:spPr/>
-        <p:txBody>
-          <a:bodyPr/>
-          <a:lstStyle/>
-          <a:p>
-            <a:r>
-              <a:rPr lang="ro-RO" dirty="0" smtClean="0"/>
-              <a:t>Inamici ranged</a:t>
-            </a:r>
-            <a:endParaRPr lang="en-US" dirty="0"/>
-          </a:p>
-        </p:txBody>
-      </p:sp>
-      <p:sp>
-        <p:nvSpPr>
-          <p:cNvPr id="3" name="Content Placeholder 2"/>
-          <p:cNvSpPr>
-            <a:spLocks noGrp="1"/>
-          </p:cNvSpPr>
-          <p:nvPr>
-            <p:ph sz="quarter" idx="1"/>
-          </p:nvPr>
-        </p:nvSpPr>
-        <p:spPr/>
-        <p:txBody>
-          <a:bodyPr>
-            <a:normAutofit fontScale="92500" lnSpcReduction="20000"/>
-          </a:bodyPr>
-          <a:lstStyle/>
-          <a:p>
-            <a:r>
-              <a:rPr lang="ro-RO" dirty="0" smtClean="0">
-                <a:latin typeface="Times New Roman" pitchFamily="18" charset="0"/>
-                <a:cs typeface="Times New Roman" pitchFamily="18" charset="0"/>
-              </a:rPr>
-              <a:t>Inamicii ranged au o componentă animator.</a:t>
-            </a:r>
-            <a:endParaRPr lang="ro-RO" dirty="0">
-              <a:latin typeface="Times New Roman" pitchFamily="18" charset="0"/>
-              <a:cs typeface="Times New Roman" pitchFamily="18" charset="0"/>
-            </a:endParaRPr>
-          </a:p>
-          <a:p>
-            <a:r>
-              <a:rPr lang="ro-RO" dirty="0">
-                <a:latin typeface="Times New Roman" pitchFamily="18" charset="0"/>
-                <a:cs typeface="Times New Roman" pitchFamily="18" charset="0"/>
-              </a:rPr>
-              <a:t>Inamicul se poate afla în stările idle și </a:t>
-            </a:r>
-            <a:r>
-              <a:rPr lang="ro-RO" dirty="0" smtClean="0">
-                <a:latin typeface="Times New Roman" pitchFamily="18" charset="0"/>
-                <a:cs typeface="Times New Roman" pitchFamily="18" charset="0"/>
-              </a:rPr>
-              <a:t>fire.</a:t>
-            </a:r>
-          </a:p>
-          <a:p>
-            <a:r>
-              <a:rPr lang="vi-VN" dirty="0" smtClean="0">
-                <a:latin typeface="Times New Roman" pitchFamily="18" charset="0"/>
-                <a:cs typeface="Times New Roman" pitchFamily="18" charset="0"/>
-              </a:rPr>
-              <a:t>Detectarea </a:t>
-            </a:r>
-            <a:r>
-              <a:rPr lang="vi-VN" dirty="0">
-                <a:latin typeface="Times New Roman" pitchFamily="18" charset="0"/>
-                <a:cs typeface="Times New Roman" pitchFamily="18" charset="0"/>
-              </a:rPr>
-              <a:t>jucătorului se realizează prin intermediul unui </a:t>
-            </a:r>
-            <a:r>
-              <a:rPr lang="vi-VN" dirty="0" smtClean="0">
-                <a:latin typeface="Times New Roman" pitchFamily="18" charset="0"/>
-                <a:cs typeface="Times New Roman" pitchFamily="18" charset="0"/>
-              </a:rPr>
-              <a:t>BoxCast. </a:t>
-            </a:r>
-            <a:r>
-              <a:rPr lang="vi-VN" dirty="0">
-                <a:latin typeface="Times New Roman" pitchFamily="18" charset="0"/>
-                <a:cs typeface="Times New Roman" pitchFamily="18" charset="0"/>
-              </a:rPr>
-              <a:t>De asemenea, s-a folosit un RayCast pentru a evita detectarea jucătorului prin pereți</a:t>
-            </a:r>
-            <a:r>
-              <a:rPr lang="vi-VN" dirty="0" smtClean="0">
-                <a:latin typeface="Times New Roman" pitchFamily="18" charset="0"/>
-                <a:cs typeface="Times New Roman" pitchFamily="18" charset="0"/>
-              </a:rPr>
-              <a:t>.</a:t>
-            </a:r>
-            <a:endParaRPr lang="vi-VN" dirty="0">
-              <a:latin typeface="Times New Roman" pitchFamily="18" charset="0"/>
-              <a:cs typeface="Times New Roman" pitchFamily="18" charset="0"/>
-            </a:endParaRPr>
-          </a:p>
-          <a:p>
-            <a:r>
-              <a:rPr lang="vi-VN" dirty="0">
-                <a:latin typeface="Times New Roman" pitchFamily="18" charset="0"/>
-                <a:cs typeface="Times New Roman" pitchFamily="18" charset="0"/>
-              </a:rPr>
-              <a:t>Pentru a permite inamicului să tragă proiectile, s-a adăugat un obiect </a:t>
-            </a:r>
-            <a:r>
-              <a:rPr lang="ro-RO" dirty="0" smtClean="0">
-                <a:latin typeface="Times New Roman" pitchFamily="18" charset="0"/>
-                <a:cs typeface="Times New Roman" pitchFamily="18" charset="0"/>
-              </a:rPr>
-              <a:t>empty </a:t>
-            </a:r>
-            <a:r>
-              <a:rPr lang="vi-VN" dirty="0" smtClean="0">
-                <a:latin typeface="Times New Roman" pitchFamily="18" charset="0"/>
-                <a:cs typeface="Times New Roman" pitchFamily="18" charset="0"/>
-              </a:rPr>
-              <a:t>numit </a:t>
-            </a:r>
-            <a:r>
-              <a:rPr lang="vi-VN" dirty="0">
-                <a:latin typeface="Times New Roman" pitchFamily="18" charset="0"/>
-                <a:cs typeface="Times New Roman" pitchFamily="18" charset="0"/>
-              </a:rPr>
-              <a:t>"firePoint", care reprezintă punctul de unde inamicul va trage. Atunci când detectează jucătorul, un proiectil va fi instanțiat</a:t>
-            </a:r>
-            <a:r>
-              <a:rPr lang="vi-VN" dirty="0" smtClean="0">
-                <a:latin typeface="Times New Roman" pitchFamily="18" charset="0"/>
-                <a:cs typeface="Times New Roman" pitchFamily="18" charset="0"/>
-              </a:rPr>
-              <a:t>.</a:t>
-            </a:r>
-            <a:endParaRPr lang="ro-RO" dirty="0" smtClean="0">
-              <a:latin typeface="Times New Roman" pitchFamily="18" charset="0"/>
-              <a:cs typeface="Times New Roman" pitchFamily="18" charset="0"/>
-            </a:endParaRPr>
-          </a:p>
-          <a:p>
-            <a:r>
-              <a:rPr lang="vi-VN" dirty="0"/>
-              <a:t>S-a creat un prefab pentru proiectile, care este instanțiat de fiecare dată când inamicul trage. Proiectilul va ignora coliziunile cu alți inamici și va fi distrus la impact cu orice alt obiect, cu excepția jucătorului, care va fi rănit și va pierde puncte de viață.</a:t>
-            </a:r>
-            <a:endParaRPr lang="en-US" dirty="0">
-              <a:latin typeface="Times New Roman" pitchFamily="18" charset="0"/>
-              <a:cs typeface="Times New Roman" pitchFamily="18" charset="0"/>
-            </a:endParaRPr>
-          </a:p>
-        </p:txBody>
-      </p:sp>
-    </p:spTree>
-    <p:extLst>
-      <p:ext uri="{BB962C8B-B14F-4D97-AF65-F5344CB8AC3E}">
-        <p14:creationId xmlns:p14="http://schemas.microsoft.com/office/powerpoint/2010/main" val="3309777485"/>
-      </p:ext>
-    </p:extLst>
-  </p:cSld>
-  <p:clrMapOvr>
-    <a:masterClrMapping/>
-  </p:clrMapOvr>
-</p:sld>
-</file>
-
-<file path=ppt/slides/slide19.xml><?xml version="1.0" encoding="utf-8"?>
-<p:sld xmlns:a="http://schemas.openxmlformats.org/drawingml/2006/main" xmlns:r="http://schemas.openxmlformats.org/officeDocument/2006/relationships" xmlns:p="http://schemas.openxmlformats.org/presentationml/2006/main">
-  <p:cSld>
-    <p:spTree>
-      <p:nvGrpSpPr>
-        <p:cNvPr id="1" name=""/>
-        <p:cNvGrpSpPr/>
-        <p:nvPr/>
-      </p:nvGrpSpPr>
-      <p:grpSpPr>
-        <a:xfrm>
-          <a:off x="0" y="0"/>
-          <a:ext cx="0" cy="0"/>
-          <a:chOff x="0" y="0"/>
-          <a:chExt cx="0" cy="0"/>
-        </a:xfrm>
-      </p:grpSpPr>
-      <p:pic>
-        <p:nvPicPr>
-          <p:cNvPr id="4" name="Content Placeholder 3"/>
-          <p:cNvPicPr>
-            <a:picLocks noGrp="1"/>
-          </p:cNvPicPr>
-          <p:nvPr>
-            <p:ph sz="quarter" idx="1"/>
-          </p:nvPr>
-        </p:nvPicPr>
-        <p:blipFill>
-          <a:blip r:embed="rId2">
-            <a:extLst>
-              <a:ext uri="{28A0092B-C50C-407E-A947-70E740481C1C}">
-                <a14:useLocalDpi xmlns:a14="http://schemas.microsoft.com/office/drawing/2010/main" val="0"/>
-              </a:ext>
-            </a:extLst>
-          </a:blip>
-          <a:stretch>
-            <a:fillRect/>
-          </a:stretch>
-        </p:blipFill>
-        <p:spPr>
-          <a:xfrm>
-            <a:off x="990600" y="1371600"/>
+            <a:off x="1055045" y="1901031"/>
             <a:ext cx="7491109" cy="3665538"/>
           </a:xfrm>
           <a:prstGeom prst="rect">
@@ -4849,7 +4090,7 @@
 </p:sld>
 </file>
 
-<file path=ppt/slides/slide2.xml><?xml version="1.0" encoding="utf-8"?>
+<file path=ppt/slides/slide14.xml><?xml version="1.0" encoding="utf-8"?>
 <p:sld xmlns:a="http://schemas.openxmlformats.org/drawingml/2006/main" xmlns:r="http://schemas.openxmlformats.org/officeDocument/2006/relationships" xmlns:p="http://schemas.openxmlformats.org/presentationml/2006/main">
   <p:cSld>
     <p:spTree>
@@ -4883,209 +4124,6 @@
           <a:p>
             <a:r>
               <a:rPr lang="en-US" dirty="0" err="1" smtClean="0"/>
-              <a:t>Introducere</a:t>
-            </a:r>
-            <a:endParaRPr lang="en-US" dirty="0"/>
-          </a:p>
-        </p:txBody>
-      </p:sp>
-      <p:sp>
-        <p:nvSpPr>
-          <p:cNvPr id="3" name="Content Placeholder 2"/>
-          <p:cNvSpPr>
-            <a:spLocks noGrp="1"/>
-          </p:cNvSpPr>
-          <p:nvPr>
-            <p:ph sz="quarter" idx="1"/>
-          </p:nvPr>
-        </p:nvSpPr>
-        <p:spPr/>
-        <p:txBody>
-          <a:bodyPr>
-            <a:normAutofit fontScale="92500" lnSpcReduction="10000"/>
-          </a:bodyPr>
-          <a:lstStyle/>
-          <a:p>
-            <a:r>
-              <a:rPr lang="vi-VN" dirty="0"/>
-              <a:t>Jocurile video reprezintă o formă interactivă de divertisment care utilizează tehnologia informației pentru a oferi experiențe virtuale</a:t>
-            </a:r>
-            <a:r>
-              <a:rPr lang="vi-VN" dirty="0" smtClean="0"/>
-              <a:t>.</a:t>
-            </a:r>
-            <a:endParaRPr lang="en-US" dirty="0" smtClean="0"/>
-          </a:p>
-          <a:p>
-            <a:r>
-              <a:rPr lang="vi-VN" dirty="0"/>
-              <a:t>Există o varietate largă de genuri și stiluri de jocuri video, inclusiv acțiune, aventură, strategie, puzzle, platforming, în formate precum singleplayer, multiplayer online, 2D, 3D, side view, top-down view, etc</a:t>
-            </a:r>
-            <a:r>
-              <a:rPr lang="vi-VN" dirty="0" smtClean="0"/>
-              <a:t>.</a:t>
-            </a:r>
-            <a:endParaRPr lang="en-US" dirty="0" smtClean="0"/>
-          </a:p>
-          <a:p>
-            <a:r>
-              <a:rPr lang="vi-VN" dirty="0"/>
-              <a:t>Industria jocurilor video a înregistrat venituri semnificative în 2022, ajungând la 184.4 miliarde de dolari, </a:t>
-            </a:r>
-            <a:r>
-              <a:rPr lang="en-US" dirty="0" err="1" smtClean="0">
-                <a:latin typeface="Times New Roman" pitchFamily="18" charset="0"/>
-                <a:cs typeface="Times New Roman" pitchFamily="18" charset="0"/>
-              </a:rPr>
-              <a:t>comparativ</a:t>
-            </a:r>
-            <a:r>
-              <a:rPr lang="en-US" dirty="0" smtClean="0">
-                <a:latin typeface="Times New Roman" pitchFamily="18" charset="0"/>
-                <a:cs typeface="Times New Roman" pitchFamily="18" charset="0"/>
-              </a:rPr>
-              <a:t> cu </a:t>
-            </a:r>
-            <a:r>
-              <a:rPr lang="vi-VN" dirty="0" smtClean="0"/>
-              <a:t>industria </a:t>
-            </a:r>
-            <a:r>
-              <a:rPr lang="vi-VN" dirty="0"/>
-              <a:t>muzicii cu 26.2 miliarde de dolari și industria filmelor cu 77 miliarde de dolari</a:t>
-            </a:r>
-            <a:r>
-              <a:rPr lang="vi-VN" dirty="0" smtClean="0"/>
-              <a:t>.</a:t>
-            </a:r>
-            <a:endParaRPr lang="en-US" dirty="0" smtClean="0"/>
-          </a:p>
-          <a:p>
-            <a:r>
-              <a:rPr lang="vi-VN" dirty="0"/>
-              <a:t>Jocurile video pot fi utilizate și ca simulări ale lumii </a:t>
-            </a:r>
-            <a:r>
-              <a:rPr lang="vi-VN" dirty="0" smtClean="0"/>
-              <a:t>reale</a:t>
-            </a:r>
-            <a:r>
-              <a:rPr lang="en-US" dirty="0" smtClean="0"/>
-              <a:t>.</a:t>
-            </a:r>
-            <a:endParaRPr lang="en-US" dirty="0"/>
-          </a:p>
-        </p:txBody>
-      </p:sp>
-    </p:spTree>
-    <p:extLst>
-      <p:ext uri="{BB962C8B-B14F-4D97-AF65-F5344CB8AC3E}">
-        <p14:creationId xmlns:p14="http://schemas.microsoft.com/office/powerpoint/2010/main" val="2337624916"/>
-      </p:ext>
-    </p:extLst>
-  </p:cSld>
-  <p:clrMapOvr>
-    <a:masterClrMapping/>
-  </p:clrMapOvr>
-</p:sld>
-</file>
-
-<file path=ppt/slides/slide20.xml><?xml version="1.0" encoding="utf-8"?>
-<p:sld xmlns:a="http://schemas.openxmlformats.org/drawingml/2006/main" xmlns:r="http://schemas.openxmlformats.org/officeDocument/2006/relationships" xmlns:p="http://schemas.openxmlformats.org/presentationml/2006/main">
-  <p:cSld>
-    <p:spTree>
-      <p:nvGrpSpPr>
-        <p:cNvPr id="1" name=""/>
-        <p:cNvGrpSpPr/>
-        <p:nvPr/>
-      </p:nvGrpSpPr>
-      <p:grpSpPr>
-        <a:xfrm>
-          <a:off x="0" y="0"/>
-          <a:ext cx="0" cy="0"/>
-          <a:chOff x="0" y="0"/>
-          <a:chExt cx="0" cy="0"/>
-        </a:xfrm>
-      </p:grpSpPr>
-      <p:pic>
-        <p:nvPicPr>
-          <p:cNvPr id="4" name="Content Placeholder 3"/>
-          <p:cNvPicPr>
-            <a:picLocks noGrp="1"/>
-          </p:cNvPicPr>
-          <p:nvPr>
-            <p:ph sz="quarter" idx="1"/>
-          </p:nvPr>
-        </p:nvPicPr>
-        <p:blipFill>
-          <a:blip r:embed="rId2">
-            <a:extLst>
-              <a:ext uri="{28A0092B-C50C-407E-A947-70E740481C1C}">
-                <a14:useLocalDpi xmlns:a14="http://schemas.microsoft.com/office/drawing/2010/main" val="0"/>
-              </a:ext>
-            </a:extLst>
-          </a:blip>
-          <a:stretch>
-            <a:fillRect/>
-          </a:stretch>
-        </p:blipFill>
-        <p:spPr>
-          <a:xfrm>
-            <a:off x="685800" y="1600200"/>
-            <a:ext cx="7822178" cy="3642457"/>
-          </a:xfrm>
-          <a:prstGeom prst="rect">
-            <a:avLst/>
-          </a:prstGeom>
-        </p:spPr>
-      </p:pic>
-    </p:spTree>
-    <p:extLst>
-      <p:ext uri="{BB962C8B-B14F-4D97-AF65-F5344CB8AC3E}">
-        <p14:creationId xmlns:p14="http://schemas.microsoft.com/office/powerpoint/2010/main" val="915237339"/>
-      </p:ext>
-    </p:extLst>
-  </p:cSld>
-  <p:clrMapOvr>
-    <a:masterClrMapping/>
-  </p:clrMapOvr>
-</p:sld>
-</file>
-
-<file path=ppt/slides/slide21.xml><?xml version="1.0" encoding="utf-8"?>
-<p:sld xmlns:a="http://schemas.openxmlformats.org/drawingml/2006/main" xmlns:r="http://schemas.openxmlformats.org/officeDocument/2006/relationships" xmlns:p="http://schemas.openxmlformats.org/presentationml/2006/main">
-  <p:cSld>
-    <p:spTree>
-      <p:nvGrpSpPr>
-        <p:cNvPr id="1" name=""/>
-        <p:cNvGrpSpPr/>
-        <p:nvPr/>
-      </p:nvGrpSpPr>
-      <p:grpSpPr>
-        <a:xfrm>
-          <a:off x="0" y="0"/>
-          <a:ext cx="0" cy="0"/>
-          <a:chOff x="0" y="0"/>
-          <a:chExt cx="0" cy="0"/>
-        </a:xfrm>
-      </p:grpSpPr>
-      <p:sp>
-        <p:nvSpPr>
-          <p:cNvPr id="2" name="Title 1"/>
-          <p:cNvSpPr>
-            <a:spLocks noGrp="1"/>
-          </p:cNvSpPr>
-          <p:nvPr>
-            <p:ph type="title"/>
-          </p:nvPr>
-        </p:nvSpPr>
-        <p:spPr/>
-        <p:txBody>
-          <a:bodyPr/>
-          <a:lstStyle/>
-          <a:p>
-            <a:r>
-              <a:rPr lang="en-US" dirty="0" err="1" smtClean="0"/>
               <a:t>Sistemul</a:t>
             </a:r>
             <a:r>
@@ -5229,111 +4267,6 @@
               </a:rPr>
               <a:t>. </a:t>
             </a:r>
-            <a:r>
-              <a:rPr lang="en-US" dirty="0" err="1">
-                <a:latin typeface="Times New Roman" pitchFamily="18" charset="0"/>
-                <a:cs typeface="Times New Roman" pitchFamily="18" charset="0"/>
-              </a:rPr>
-              <a:t>Sunetele</a:t>
-            </a:r>
-            <a:r>
-              <a:rPr lang="en-US" dirty="0">
-                <a:latin typeface="Times New Roman" pitchFamily="18" charset="0"/>
-                <a:cs typeface="Times New Roman" pitchFamily="18" charset="0"/>
-              </a:rPr>
-              <a:t> </a:t>
-            </a:r>
-            <a:r>
-              <a:rPr lang="en-US" dirty="0" err="1">
-                <a:latin typeface="Times New Roman" pitchFamily="18" charset="0"/>
-                <a:cs typeface="Times New Roman" pitchFamily="18" charset="0"/>
-              </a:rPr>
-              <a:t>și</a:t>
-            </a:r>
-            <a:r>
-              <a:rPr lang="en-US" dirty="0">
-                <a:latin typeface="Times New Roman" pitchFamily="18" charset="0"/>
-                <a:cs typeface="Times New Roman" pitchFamily="18" charset="0"/>
-              </a:rPr>
-              <a:t> </a:t>
-            </a:r>
-            <a:r>
-              <a:rPr lang="en-US" dirty="0" err="1">
-                <a:latin typeface="Times New Roman" pitchFamily="18" charset="0"/>
-                <a:cs typeface="Times New Roman" pitchFamily="18" charset="0"/>
-              </a:rPr>
-              <a:t>muzica</a:t>
-            </a:r>
-            <a:r>
-              <a:rPr lang="en-US" dirty="0">
-                <a:latin typeface="Times New Roman" pitchFamily="18" charset="0"/>
-                <a:cs typeface="Times New Roman" pitchFamily="18" charset="0"/>
-              </a:rPr>
-              <a:t> au </a:t>
-            </a:r>
-            <a:r>
-              <a:rPr lang="en-US" dirty="0" err="1">
-                <a:latin typeface="Times New Roman" pitchFamily="18" charset="0"/>
-                <a:cs typeface="Times New Roman" pitchFamily="18" charset="0"/>
-              </a:rPr>
-              <a:t>fost</a:t>
-            </a:r>
-            <a:r>
-              <a:rPr lang="en-US" dirty="0">
-                <a:latin typeface="Times New Roman" pitchFamily="18" charset="0"/>
-                <a:cs typeface="Times New Roman" pitchFamily="18" charset="0"/>
-              </a:rPr>
-              <a:t> </a:t>
-            </a:r>
-            <a:r>
-              <a:rPr lang="en-US" dirty="0" err="1">
-                <a:latin typeface="Times New Roman" pitchFamily="18" charset="0"/>
-                <a:cs typeface="Times New Roman" pitchFamily="18" charset="0"/>
-              </a:rPr>
-              <a:t>importate</a:t>
-            </a:r>
-            <a:r>
-              <a:rPr lang="en-US" dirty="0">
-                <a:latin typeface="Times New Roman" pitchFamily="18" charset="0"/>
-                <a:cs typeface="Times New Roman" pitchFamily="18" charset="0"/>
-              </a:rPr>
-              <a:t> </a:t>
-            </a:r>
-            <a:r>
-              <a:rPr lang="en-US" dirty="0" err="1">
-                <a:latin typeface="Times New Roman" pitchFamily="18" charset="0"/>
-                <a:cs typeface="Times New Roman" pitchFamily="18" charset="0"/>
-              </a:rPr>
-              <a:t>gratuit</a:t>
-            </a:r>
-            <a:r>
-              <a:rPr lang="en-US" dirty="0">
-                <a:latin typeface="Times New Roman" pitchFamily="18" charset="0"/>
-                <a:cs typeface="Times New Roman" pitchFamily="18" charset="0"/>
-              </a:rPr>
-              <a:t> de </a:t>
-            </a:r>
-            <a:r>
-              <a:rPr lang="en-US" dirty="0" err="1">
-                <a:latin typeface="Times New Roman" pitchFamily="18" charset="0"/>
-                <a:cs typeface="Times New Roman" pitchFamily="18" charset="0"/>
-              </a:rPr>
-              <a:t>pe</a:t>
-            </a:r>
-            <a:r>
-              <a:rPr lang="en-US" dirty="0">
-                <a:latin typeface="Times New Roman" pitchFamily="18" charset="0"/>
-                <a:cs typeface="Times New Roman" pitchFamily="18" charset="0"/>
-              </a:rPr>
-              <a:t> Unity Asset Store</a:t>
-            </a:r>
-            <a:r>
-              <a:rPr lang="en-US" dirty="0" smtClean="0">
-                <a:latin typeface="Times New Roman" pitchFamily="18" charset="0"/>
-                <a:cs typeface="Times New Roman" pitchFamily="18" charset="0"/>
-              </a:rPr>
-              <a:t>.</a:t>
-            </a:r>
             <a:endParaRPr lang="ro-RO" dirty="0" smtClean="0">
               <a:latin typeface="Times New Roman" pitchFamily="18" charset="0"/>
               <a:cs typeface="Times New Roman" pitchFamily="18" charset="0"/>
@@ -5341,22 +4274,32 @@
           </a:p>
           <a:p>
             <a:r>
+              <a:rPr lang="ro-RO" dirty="0" smtClean="0">
+                <a:latin typeface="Times New Roman" pitchFamily="18" charset="0"/>
+                <a:cs typeface="Times New Roman" pitchFamily="18" charset="0"/>
+              </a:rPr>
+              <a:t>Mixerul este format dintr-un grup master si 2 grupuri copil, unul pentru muzică și unul pentru efecte sonore.</a:t>
+            </a:r>
+            <a:endParaRPr lang="ro-RO" dirty="0" smtClean="0">
+              <a:latin typeface="Times New Roman" pitchFamily="18" charset="0"/>
+              <a:cs typeface="Times New Roman" pitchFamily="18" charset="0"/>
+            </a:endParaRPr>
+          </a:p>
+          <a:p>
+            <a:r>
+              <a:rPr lang="ro-RO" dirty="0" smtClean="0">
+                <a:latin typeface="Times New Roman" pitchFamily="18" charset="0"/>
+                <a:cs typeface="Times New Roman" pitchFamily="18" charset="0"/>
+              </a:rPr>
+              <a:t>Volumul </a:t>
+            </a:r>
+            <a:r>
+              <a:rPr lang="vi-VN" dirty="0" smtClean="0"/>
+              <a:t>poate </a:t>
+            </a:r>
+            <a:r>
               <a:rPr lang="vi-VN" dirty="0"/>
-              <a:t>Pentru a putea modifica volumul din grupurile audio, trebuie să expunem parametrul de volum. </a:t>
-            </a:r>
-            <a:r>
-              <a:rPr lang="vi-VN" dirty="0" smtClean="0"/>
-              <a:t>Parametrii </a:t>
-            </a:r>
-            <a:r>
-              <a:rPr lang="vi-VN" dirty="0"/>
-              <a:t>de volum sunt expuși pentru ambele grupuri, atât pentru muzică, cât și pentru efecte sonore.</a:t>
-            </a:r>
-          </a:p>
-          <a:p>
-            <a:r>
-              <a:rPr lang="vi-VN" dirty="0"/>
-              <a:t>După expunerea parametrilor, volumul poate fi ajustat utilizând slidere din cadrul canvas-ului.</a:t>
+              <a:t>fi ajustat utilizând slidere din cadrul canvas-ului.</a:t>
             </a:r>
           </a:p>
           <a:p>
@@ -5377,7 +4320,7 @@
 </p:sld>
 </file>
 
-<file path=ppt/slides/slide22.xml><?xml version="1.0" encoding="utf-8"?>
+<file path=ppt/slides/slide15.xml><?xml version="1.0" encoding="utf-8"?>
 <p:sld xmlns:a="http://schemas.openxmlformats.org/drawingml/2006/main" xmlns:r="http://schemas.openxmlformats.org/officeDocument/2006/relationships" xmlns:p="http://schemas.openxmlformats.org/presentationml/2006/main">
   <p:cSld>
     <p:spTree>
@@ -5439,303 +4382,7 @@
 </p:sld>
 </file>
 
-<file path=ppt/slides/slide23.xml><?xml version="1.0" encoding="utf-8"?>
-<p:sld xmlns:a="http://schemas.openxmlformats.org/drawingml/2006/main" xmlns:r="http://schemas.openxmlformats.org/officeDocument/2006/relationships" xmlns:p="http://schemas.openxmlformats.org/presentationml/2006/main">
-  <p:cSld>
-    <p:spTree>
-      <p:nvGrpSpPr>
-        <p:cNvPr id="1" name=""/>
-        <p:cNvGrpSpPr/>
-        <p:nvPr/>
-      </p:nvGrpSpPr>
-      <p:grpSpPr>
-        <a:xfrm>
-          <a:off x="0" y="0"/>
-          <a:ext cx="0" cy="0"/>
-          <a:chOff x="0" y="0"/>
-          <a:chExt cx="0" cy="0"/>
-        </a:xfrm>
-      </p:grpSpPr>
-      <p:sp>
-        <p:nvSpPr>
-          <p:cNvPr id="2" name="Title 1"/>
-          <p:cNvSpPr>
-            <a:spLocks noGrp="1"/>
-          </p:cNvSpPr>
-          <p:nvPr>
-            <p:ph type="title"/>
-          </p:nvPr>
-        </p:nvSpPr>
-        <p:spPr/>
-        <p:txBody>
-          <a:bodyPr/>
-          <a:lstStyle/>
-          <a:p>
-            <a:r>
-              <a:rPr lang="en-US" dirty="0" err="1" smtClean="0"/>
-              <a:t>Sistemul</a:t>
-            </a:r>
-            <a:r>
-              <a:rPr lang="en-US" dirty="0" smtClean="0"/>
-              <a:t> de </a:t>
-            </a:r>
-            <a:r>
-              <a:rPr lang="en-US" dirty="0" err="1" smtClean="0"/>
-              <a:t>salvare</a:t>
-            </a:r>
-            <a:endParaRPr lang="en-US" dirty="0"/>
-          </a:p>
-        </p:txBody>
-      </p:sp>
-      <p:sp>
-        <p:nvSpPr>
-          <p:cNvPr id="3" name="Content Placeholder 2"/>
-          <p:cNvSpPr>
-            <a:spLocks noGrp="1"/>
-          </p:cNvSpPr>
-          <p:nvPr>
-            <p:ph sz="quarter" idx="1"/>
-          </p:nvPr>
-        </p:nvSpPr>
-        <p:spPr/>
-        <p:txBody>
-          <a:bodyPr>
-            <a:normAutofit fontScale="92500" lnSpcReduction="20000"/>
-          </a:bodyPr>
-          <a:lstStyle/>
-          <a:p>
-            <a:r>
-              <a:rPr lang="vi-VN" dirty="0"/>
-              <a:t>Sistemul de salvare în joc este implementat folosind obiecte de tip ScriptableObject și formatare binară pentru salvarea locală a datelor. ScriptableObject este folosit pentru a salva cantități mari de date independent de instanțele clasei, reducând consumul de memorie al proiectului</a:t>
-            </a:r>
-            <a:r>
-              <a:rPr lang="vi-VN" dirty="0" smtClean="0"/>
-              <a:t>.</a:t>
-            </a:r>
-            <a:endParaRPr lang="en-US" dirty="0" smtClean="0"/>
-          </a:p>
-          <a:p>
-            <a:r>
-              <a:rPr lang="vi-VN" dirty="0"/>
-              <a:t>Pentru a face tranziția între scene, se utilizează un trigger de tip BoxCollider2D, care memorează viața curentă și poziția jucătorului în scena următoare</a:t>
-            </a:r>
-            <a:r>
-              <a:rPr lang="vi-VN" dirty="0" smtClean="0"/>
-              <a:t>.</a:t>
-            </a:r>
-            <a:endParaRPr lang="en-US" dirty="0" smtClean="0"/>
-          </a:p>
-          <a:p>
-            <a:r>
-              <a:rPr lang="vi-VN" dirty="0"/>
-              <a:t>Punctele în care jucătorul poate salva jocul sunt reprezentate de steaguri roșii. La coliziunea dintre jucător și steag, jucătorul poate apăsa tasta de INTERACT pentru a salva jocul. </a:t>
-            </a:r>
-            <a:endParaRPr lang="en-US" dirty="0" smtClean="0"/>
-          </a:p>
-          <a:p>
-            <a:r>
-              <a:rPr lang="vi-VN" dirty="0"/>
-              <a:t>Dacă jucătorul își pierde toată viața, acesta va reapărea la ultimul punct de salvare cu care a interacționat.</a:t>
-            </a:r>
-            <a:endParaRPr lang="en-US" dirty="0"/>
-          </a:p>
-        </p:txBody>
-      </p:sp>
-      <p:pic>
-        <p:nvPicPr>
-          <p:cNvPr id="4" name="Content Placeholder 3"/>
-          <p:cNvPicPr>
-            <a:picLocks/>
-          </p:cNvPicPr>
-          <p:nvPr/>
-        </p:nvPicPr>
-        <p:blipFill>
-          <a:blip r:embed="rId2" cstate="print">
-            <a:extLst>
-              <a:ext uri="{28A0092B-C50C-407E-A947-70E740481C1C}">
-                <a14:useLocalDpi xmlns:a14="http://schemas.microsoft.com/office/drawing/2010/main" val="0"/>
-              </a:ext>
-            </a:extLst>
-          </a:blip>
-          <a:stretch>
-            <a:fillRect/>
-          </a:stretch>
-        </p:blipFill>
-        <p:spPr>
-          <a:xfrm>
-            <a:off x="7772400" y="109728"/>
-            <a:ext cx="1217873" cy="1217873"/>
-          </a:xfrm>
-          <a:prstGeom prst="rect">
-            <a:avLst/>
-          </a:prstGeom>
-        </p:spPr>
-      </p:pic>
-    </p:spTree>
-    <p:extLst>
-      <p:ext uri="{BB962C8B-B14F-4D97-AF65-F5344CB8AC3E}">
-        <p14:creationId xmlns:p14="http://schemas.microsoft.com/office/powerpoint/2010/main" val="2315287694"/>
-      </p:ext>
-    </p:extLst>
-  </p:cSld>
-  <p:clrMapOvr>
-    <a:masterClrMapping/>
-  </p:clrMapOvr>
-</p:sld>
-</file>
-
-<file path=ppt/slides/slide24.xml><?xml version="1.0" encoding="utf-8"?>
-<p:sld xmlns:a="http://schemas.openxmlformats.org/drawingml/2006/main" xmlns:r="http://schemas.openxmlformats.org/officeDocument/2006/relationships" xmlns:p="http://schemas.openxmlformats.org/presentationml/2006/main">
-  <p:cSld>
-    <p:spTree>
-      <p:nvGrpSpPr>
-        <p:cNvPr id="1" name=""/>
-        <p:cNvGrpSpPr/>
-        <p:nvPr/>
-      </p:nvGrpSpPr>
-      <p:grpSpPr>
-        <a:xfrm>
-          <a:off x="0" y="0"/>
-          <a:ext cx="0" cy="0"/>
-          <a:chOff x="0" y="0"/>
-          <a:chExt cx="0" cy="0"/>
-        </a:xfrm>
-      </p:grpSpPr>
-      <p:pic>
-        <p:nvPicPr>
-          <p:cNvPr id="4" name="Content Placeholder 3"/>
-          <p:cNvPicPr>
-            <a:picLocks noGrp="1"/>
-          </p:cNvPicPr>
-          <p:nvPr>
-            <p:ph sz="quarter" idx="1"/>
-          </p:nvPr>
-        </p:nvPicPr>
-        <p:blipFill>
-          <a:blip r:embed="rId2">
-            <a:extLst>
-              <a:ext uri="{28A0092B-C50C-407E-A947-70E740481C1C}">
-                <a14:useLocalDpi xmlns:a14="http://schemas.microsoft.com/office/drawing/2010/main" val="0"/>
-              </a:ext>
-            </a:extLst>
-          </a:blip>
-          <a:stretch>
-            <a:fillRect/>
-          </a:stretch>
-        </p:blipFill>
-        <p:spPr>
-          <a:xfrm>
-            <a:off x="1676400" y="990600"/>
-            <a:ext cx="5837056" cy="4987431"/>
-          </a:xfrm>
-          <a:prstGeom prst="rect">
-            <a:avLst/>
-          </a:prstGeom>
-        </p:spPr>
-      </p:pic>
-    </p:spTree>
-    <p:extLst>
-      <p:ext uri="{BB962C8B-B14F-4D97-AF65-F5344CB8AC3E}">
-        <p14:creationId xmlns:p14="http://schemas.microsoft.com/office/powerpoint/2010/main" val="2075571827"/>
-      </p:ext>
-    </p:extLst>
-  </p:cSld>
-  <p:clrMapOvr>
-    <a:masterClrMapping/>
-  </p:clrMapOvr>
-</p:sld>
-</file>
-
-<file path=ppt/slides/slide25.xml><?xml version="1.0" encoding="utf-8"?>
-<p:sld xmlns:a="http://schemas.openxmlformats.org/drawingml/2006/main" xmlns:r="http://schemas.openxmlformats.org/officeDocument/2006/relationships" xmlns:p="http://schemas.openxmlformats.org/presentationml/2006/main">
-  <p:cSld>
-    <p:spTree>
-      <p:nvGrpSpPr>
-        <p:cNvPr id="1" name=""/>
-        <p:cNvGrpSpPr/>
-        <p:nvPr/>
-      </p:nvGrpSpPr>
-      <p:grpSpPr>
-        <a:xfrm>
-          <a:off x="0" y="0"/>
-          <a:ext cx="0" cy="0"/>
-          <a:chOff x="0" y="0"/>
-          <a:chExt cx="0" cy="0"/>
-        </a:xfrm>
-      </p:grpSpPr>
-      <p:sp>
-        <p:nvSpPr>
-          <p:cNvPr id="2" name="Title 1"/>
-          <p:cNvSpPr>
-            <a:spLocks noGrp="1"/>
-          </p:cNvSpPr>
-          <p:nvPr>
-            <p:ph type="title"/>
-          </p:nvPr>
-        </p:nvSpPr>
-        <p:spPr/>
-        <p:txBody>
-          <a:bodyPr/>
-          <a:lstStyle/>
-          <a:p>
-            <a:r>
-              <a:rPr lang="en-US" dirty="0" err="1" smtClean="0"/>
-              <a:t>Sistemul</a:t>
-            </a:r>
-            <a:r>
-              <a:rPr lang="en-US" dirty="0" smtClean="0"/>
-              <a:t> de key rebind</a:t>
-            </a:r>
-            <a:endParaRPr lang="en-US" dirty="0"/>
-          </a:p>
-        </p:txBody>
-      </p:sp>
-      <p:sp>
-        <p:nvSpPr>
-          <p:cNvPr id="5" name="Content Placeholder 4"/>
-          <p:cNvSpPr>
-            <a:spLocks noGrp="1"/>
-          </p:cNvSpPr>
-          <p:nvPr>
-            <p:ph sz="quarter" idx="1"/>
-          </p:nvPr>
-        </p:nvSpPr>
-        <p:spPr/>
-        <p:txBody>
-          <a:bodyPr/>
-          <a:lstStyle/>
-          <a:p>
-            <a:r>
-              <a:rPr lang="ro-RO" dirty="0">
-                <a:latin typeface="Times New Roman" pitchFamily="18" charset="0"/>
-                <a:cs typeface="Times New Roman" pitchFamily="18" charset="0"/>
-              </a:rPr>
-              <a:t>În dezvoltarea sistemului de key rebind, am importat din pachetul Input System, dezvoltat de către Unity Technologies demo-ul Rebinding UI. Din acest demo, am folosit prefab-ul RebindUIPrefab, pentru construirea interfeței de rebinding, ce constă în: numele acțiuni pe care o modificăm; un câmp în care se află keybinding-ul curent, pe care putem apăsa pentru a începe procesul de rebinding; două butoane de reset.</a:t>
-            </a:r>
-            <a:endParaRPr lang="en-US" dirty="0">
-              <a:latin typeface="Times New Roman" pitchFamily="18" charset="0"/>
-              <a:cs typeface="Times New Roman" pitchFamily="18" charset="0"/>
-            </a:endParaRPr>
-          </a:p>
-          <a:p>
-            <a:endParaRPr lang="en-US" dirty="0"/>
-          </a:p>
-        </p:txBody>
-      </p:sp>
-    </p:spTree>
-    <p:extLst>
-      <p:ext uri="{BB962C8B-B14F-4D97-AF65-F5344CB8AC3E}">
-        <p14:creationId xmlns:p14="http://schemas.microsoft.com/office/powerpoint/2010/main" val="1468786132"/>
-      </p:ext>
-    </p:extLst>
-  </p:cSld>
-  <p:clrMapOvr>
-    <a:masterClrMapping/>
-  </p:clrMapOvr>
-</p:sld>
-</file>
-
-<file path=ppt/slides/slide26.xml><?xml version="1.0" encoding="utf-8"?>
+<file path=ppt/slides/slide16.xml><?xml version="1.0" encoding="utf-8"?>
 <p:sld xmlns:a="http://schemas.openxmlformats.org/drawingml/2006/main" xmlns:r="http://schemas.openxmlformats.org/officeDocument/2006/relationships" xmlns:p="http://schemas.openxmlformats.org/presentationml/2006/main">
   <p:cSld>
     <p:spTree>
@@ -5852,7 +4499,7 @@
 </p:sld>
 </file>
 
-<file path=ppt/slides/slide27.xml><?xml version="1.0" encoding="utf-8"?>
+<file path=ppt/slides/slide17.xml><?xml version="1.0" encoding="utf-8"?>
 <p:sld xmlns:a="http://schemas.openxmlformats.org/drawingml/2006/main" xmlns:r="http://schemas.openxmlformats.org/officeDocument/2006/relationships" xmlns:p="http://schemas.openxmlformats.org/presentationml/2006/main">
   <p:cSld>
     <p:spTree>
@@ -5970,7 +4617,7 @@
 </p:sld>
 </file>
 
-<file path=ppt/slides/slide28.xml><?xml version="1.0" encoding="utf-8"?>
+<file path=ppt/slides/slide18.xml><?xml version="1.0" encoding="utf-8"?>
 <p:sld xmlns:a="http://schemas.openxmlformats.org/drawingml/2006/main" xmlns:r="http://schemas.openxmlformats.org/officeDocument/2006/relationships" xmlns:p="http://schemas.openxmlformats.org/presentationml/2006/main">
   <p:cSld>
     <p:spTree>
@@ -6069,6 +4716,154 @@
     <p:extLst>
       <p:ext uri="{BB962C8B-B14F-4D97-AF65-F5344CB8AC3E}">
         <p14:creationId xmlns:p14="http://schemas.microsoft.com/office/powerpoint/2010/main" val="2632112315"/>
+      </p:ext>
+    </p:extLst>
+  </p:cSld>
+  <p:clrMapOvr>
+    <a:masterClrMapping/>
+  </p:clrMapOvr>
+</p:sld>
+</file>
+
+<file path=ppt/slides/slide2.xml><?xml version="1.0" encoding="utf-8"?>
+<p:sld xmlns:a="http://schemas.openxmlformats.org/drawingml/2006/main" xmlns:r="http://schemas.openxmlformats.org/officeDocument/2006/relationships" xmlns:p="http://schemas.openxmlformats.org/presentationml/2006/main">
+  <p:cSld>
+    <p:spTree>
+      <p:nvGrpSpPr>
+        <p:cNvPr id="1" name=""/>
+        <p:cNvGrpSpPr/>
+        <p:nvPr/>
+      </p:nvGrpSpPr>
+      <p:grpSpPr>
+        <a:xfrm>
+          <a:off x="0" y="0"/>
+          <a:ext cx="0" cy="0"/>
+          <a:chOff x="0" y="0"/>
+          <a:chExt cx="0" cy="0"/>
+        </a:xfrm>
+      </p:grpSpPr>
+      <p:sp>
+        <p:nvSpPr>
+          <p:cNvPr id="2" name="Title 1"/>
+          <p:cNvSpPr>
+            <a:spLocks noGrp="1"/>
+          </p:cNvSpPr>
+          <p:nvPr>
+            <p:ph type="title"/>
+          </p:nvPr>
+        </p:nvSpPr>
+        <p:spPr/>
+        <p:txBody>
+          <a:bodyPr/>
+          <a:lstStyle/>
+          <a:p>
+            <a:r>
+              <a:rPr lang="en-US" dirty="0" err="1" smtClean="0"/>
+              <a:t>Introducere</a:t>
+            </a:r>
+            <a:endParaRPr lang="en-US" dirty="0"/>
+          </a:p>
+        </p:txBody>
+      </p:sp>
+      <p:sp>
+        <p:nvSpPr>
+          <p:cNvPr id="3" name="Content Placeholder 2"/>
+          <p:cNvSpPr>
+            <a:spLocks noGrp="1"/>
+          </p:cNvSpPr>
+          <p:nvPr>
+            <p:ph sz="quarter" idx="1"/>
+          </p:nvPr>
+        </p:nvSpPr>
+        <p:spPr/>
+        <p:txBody>
+          <a:bodyPr>
+            <a:normAutofit fontScale="92500"/>
+          </a:bodyPr>
+          <a:lstStyle/>
+          <a:p>
+            <a:r>
+              <a:rPr lang="vi-VN" dirty="0"/>
+              <a:t>Jocurile video reprezintă o formă interactivă de divertisment care utilizează tehnologia informației pentru a oferi experiențe virtuale</a:t>
+            </a:r>
+            <a:r>
+              <a:rPr lang="vi-VN" dirty="0" smtClean="0"/>
+              <a:t>.</a:t>
+            </a:r>
+            <a:endParaRPr lang="en-US" dirty="0" smtClean="0"/>
+          </a:p>
+          <a:p>
+            <a:r>
+              <a:rPr lang="vi-VN" dirty="0"/>
+              <a:t>Există o varietate largă de genuri și stiluri de jocuri </a:t>
+            </a:r>
+            <a:r>
+              <a:rPr lang="vi-VN" dirty="0" smtClean="0"/>
+              <a:t>video</a:t>
+            </a:r>
+            <a:r>
+              <a:rPr lang="ro-RO" dirty="0" smtClean="0"/>
+              <a:t>.</a:t>
+            </a:r>
+          </a:p>
+          <a:p>
+            <a:r>
+              <a:rPr lang="vi-VN" dirty="0" smtClean="0"/>
+              <a:t>Industria </a:t>
+            </a:r>
+            <a:r>
+              <a:rPr lang="vi-VN" dirty="0"/>
+              <a:t>jocurilor video a înregistrat venituri semnificative în 2022, ajungând la 184.4 miliarde de dolari, </a:t>
+            </a:r>
+            <a:r>
+              <a:rPr lang="en-US" dirty="0" err="1" smtClean="0">
+                <a:latin typeface="Times New Roman" pitchFamily="18" charset="0"/>
+                <a:cs typeface="Times New Roman" pitchFamily="18" charset="0"/>
+              </a:rPr>
+              <a:t>comparativ</a:t>
+            </a:r>
+            <a:r>
+              <a:rPr lang="en-US" dirty="0" smtClean="0">
+                <a:latin typeface="Times New Roman" pitchFamily="18" charset="0"/>
+                <a:cs typeface="Times New Roman" pitchFamily="18" charset="0"/>
+              </a:rPr>
+              <a:t> cu </a:t>
+            </a:r>
+            <a:r>
+              <a:rPr lang="vi-VN" dirty="0" smtClean="0"/>
+              <a:t>industria </a:t>
+            </a:r>
+            <a:r>
+              <a:rPr lang="vi-VN" dirty="0"/>
+              <a:t>muzicii cu 26.2 miliarde de dolari și industria filmelor cu 77 miliarde de dolari</a:t>
+            </a:r>
+            <a:r>
+              <a:rPr lang="vi-VN" dirty="0" smtClean="0"/>
+              <a:t>.</a:t>
+            </a:r>
+            <a:endParaRPr lang="en-US" dirty="0" smtClean="0"/>
+          </a:p>
+          <a:p>
+            <a:r>
+              <a:rPr lang="vi-VN" dirty="0"/>
+              <a:t>Jocurile video pot fi utilizate și ca simulări ale lumii </a:t>
+            </a:r>
+            <a:r>
+              <a:rPr lang="vi-VN" dirty="0" smtClean="0"/>
+              <a:t>reale</a:t>
+            </a:r>
+            <a:r>
+              <a:rPr lang="en-US" dirty="0" smtClean="0"/>
+              <a:t>.</a:t>
+            </a:r>
+            <a:endParaRPr lang="en-US" dirty="0"/>
+          </a:p>
+        </p:txBody>
+      </p:sp>
+    </p:spTree>
+    <p:extLst>
+      <p:ext uri="{BB962C8B-B14F-4D97-AF65-F5344CB8AC3E}">
+        <p14:creationId xmlns:p14="http://schemas.microsoft.com/office/powerpoint/2010/main" val="2337624916"/>
       </p:ext>
     </p:extLst>
   </p:cSld>
@@ -6181,13 +4976,18 @@
               <a:t> </a:t>
             </a:r>
             <a:r>
-              <a:rPr lang="en-US" dirty="0" err="1"/>
+              <a:rPr lang="en-US" dirty="0" err="1" smtClean="0"/>
               <a:t>utilizatorului</a:t>
             </a:r>
             <a:r>
-              <a:rPr lang="en-US" dirty="0"/>
+              <a:rPr lang="ro-RO" dirty="0" smtClean="0"/>
+              <a:t> în aplicație</a:t>
+            </a:r>
+            <a:r>
+              <a:rPr lang="en-US" dirty="0" smtClean="0"/>
               <a:t>:</a:t>
             </a:r>
+            <a:endParaRPr lang="en-US" dirty="0"/>
           </a:p>
         </p:txBody>
       </p:sp>
@@ -6380,11 +5180,46 @@
             </a:r>
             <a:r>
               <a:rPr lang="vi-VN" dirty="0"/>
-              <a:t>melee (pot interacționa cu jucătorul doar din apropiere sau vor patrula dacă nu sunt </a:t>
+              <a:t>melee (pot interacționa cu jucătorul doar din apropiere sau vor patrula dacă </a:t>
+            </a:r>
+            <a:r>
+              <a:rPr lang="en-US" dirty="0" err="1" smtClean="0">
+                <a:latin typeface="Times New Roman" pitchFamily="18" charset="0"/>
+                <a:cs typeface="Times New Roman" pitchFamily="18" charset="0"/>
+              </a:rPr>
+              <a:t>juc</a:t>
+            </a:r>
+            <a:r>
+              <a:rPr lang="ro-RO" dirty="0" smtClean="0">
+                <a:latin typeface="Times New Roman" pitchFamily="18" charset="0"/>
+                <a:cs typeface="Times New Roman" pitchFamily="18" charset="0"/>
+              </a:rPr>
+              <a:t>ă</a:t>
+            </a:r>
+            <a:r>
+              <a:rPr lang="en-US" dirty="0" err="1" smtClean="0">
+                <a:latin typeface="Times New Roman" pitchFamily="18" charset="0"/>
+                <a:cs typeface="Times New Roman" pitchFamily="18" charset="0"/>
+              </a:rPr>
+              <a:t>torul</a:t>
+            </a:r>
+            <a:r>
+              <a:rPr lang="en-US" dirty="0" smtClean="0">
+                <a:latin typeface="Times New Roman" pitchFamily="18" charset="0"/>
+                <a:cs typeface="Times New Roman" pitchFamily="18" charset="0"/>
+              </a:rPr>
+              <a:t> nu e </a:t>
+            </a:r>
+            <a:r>
+              <a:rPr lang="en-US" dirty="0" err="1" smtClean="0">
+                <a:latin typeface="Times New Roman" pitchFamily="18" charset="0"/>
+                <a:cs typeface="Times New Roman" pitchFamily="18" charset="0"/>
+              </a:rPr>
+              <a:t>detectat</a:t>
             </a:r>
             <a:r>
               <a:rPr lang="vi-VN" dirty="0" smtClean="0"/>
-              <a:t>detectați)</a:t>
+              <a:t>)</a:t>
             </a:r>
             <a:r>
               <a:rPr lang="en-US" dirty="0" smtClean="0"/>
@@ -6717,7 +5552,26 @@
             </a:r>
             <a:r>
               <a:rPr lang="vi-VN" dirty="0"/>
-              <a:t>sărit, s-a folosit un detector de sol care utilizează BoxCast pentru a verifica coliziunea cu terenul. </a:t>
+              <a:t>sărit, s-a folosit un detector de </a:t>
+            </a:r>
+            <a:r>
+              <a:rPr lang="ro-RO" dirty="0" smtClean="0">
+                <a:latin typeface="Times New Roman" pitchFamily="18" charset="0"/>
+                <a:cs typeface="Times New Roman" pitchFamily="18" charset="0"/>
+              </a:rPr>
+              <a:t>ground</a:t>
+            </a:r>
+            <a:r>
+              <a:rPr lang="ro-RO" dirty="0" smtClean="0"/>
+              <a:t> </a:t>
+            </a:r>
+            <a:r>
+              <a:rPr lang="vi-VN" dirty="0" smtClean="0"/>
+              <a:t>care </a:t>
+            </a:r>
+            <a:r>
+              <a:rPr lang="vi-VN" dirty="0"/>
+              <a:t>utilizează BoxCast pentru a verifica coliziunea cu terenul. </a:t>
             </a:r>
             <a:endParaRPr lang="ro-RO" dirty="0" smtClean="0"/>
           </a:p>
